--- a/whatsnew.pptx
+++ b/whatsnew.pptx
@@ -5,10 +5,10 @@
     <p:sldMasterId id="2147483648" r:id="rId1"/>
   </p:sldMasterIdLst>
   <p:notesMasterIdLst>
-    <p:notesMasterId r:id="rId11"/>
+    <p:notesMasterId r:id="rId13"/>
   </p:notesMasterIdLst>
   <p:handoutMasterIdLst>
-    <p:handoutMasterId r:id="rId12"/>
+    <p:handoutMasterId r:id="rId14"/>
   </p:handoutMasterIdLst>
   <p:sldIdLst>
     <p:sldId id="272" r:id="rId2"/>
@@ -17,9 +17,11 @@
     <p:sldId id="257" r:id="rId5"/>
     <p:sldId id="282" r:id="rId6"/>
     <p:sldId id="283" r:id="rId7"/>
-    <p:sldId id="270" r:id="rId8"/>
-    <p:sldId id="285" r:id="rId9"/>
-    <p:sldId id="286" r:id="rId10"/>
+    <p:sldId id="287" r:id="rId8"/>
+    <p:sldId id="270" r:id="rId9"/>
+    <p:sldId id="288" r:id="rId10"/>
+    <p:sldId id="285" r:id="rId11"/>
+    <p:sldId id="286" r:id="rId12"/>
   </p:sldIdLst>
   <p:sldSz cx="9144000" cy="5143500" type="screen16x9"/>
   <p:notesSz cx="6858000" cy="9144000"/>
@@ -203,7 +205,7 @@
           <a:p>
             <a:fld id="{070EEEFF-EACA-254D-8C1D-11552C95A31A}" type="datetimeFigureOut">
               <a:rPr lang="en-US" smtClean="0"/>
-              <a:t>11/29/17</a:t>
+              <a:t>11/30/17</a:t>
             </a:fld>
             <a:endParaRPr lang="en-US"/>
           </a:p>
@@ -369,7 +371,7 @@
           <a:p>
             <a:fld id="{600F6662-213B-0542-8269-DEF71692FEA4}" type="datetimeFigureOut">
               <a:rPr lang="en-US" smtClean="0"/>
-              <a:t>11/29/17</a:t>
+              <a:t>11/30/17</a:t>
             </a:fld>
             <a:endParaRPr lang="en-US"/>
           </a:p>
@@ -3954,7 +3956,7 @@
 </p:sld>
 </file>
 
-<file path=ppt/slides/slide2.xml><?xml version="1.0" encoding="utf-8"?>
+<file path=ppt/slides/slide10.xml><?xml version="1.0" encoding="utf-8"?>
 <p:sld xmlns:a="http://schemas.openxmlformats.org/drawingml/2006/main" xmlns:r="http://schemas.openxmlformats.org/officeDocument/2006/relationships" xmlns:p="http://schemas.openxmlformats.org/presentationml/2006/main">
   <p:cSld>
     <p:spTree>
@@ -3973,1121 +3975,6 @@
       </p:grpSpPr>
       <p:sp>
         <p:nvSpPr>
-          <p:cNvPr id="2" name="Title 1"/>
-          <p:cNvSpPr>
-            <a:spLocks noGrp="1"/>
-          </p:cNvSpPr>
-          <p:nvPr>
-            <p:ph type="title"/>
-          </p:nvPr>
-        </p:nvSpPr>
-        <p:spPr/>
-        <p:txBody>
-          <a:bodyPr/>
-          <a:lstStyle/>
-          <a:p>
-            <a:r>
-              <a:rPr lang="en-US" dirty="0" smtClean="0"/>
-              <a:t>Spring Cloud Skipper</a:t>
-            </a:r>
-            <a:endParaRPr lang="en-US" dirty="0"/>
-          </a:p>
-        </p:txBody>
-      </p:sp>
-      <p:sp>
-        <p:nvSpPr>
-          <p:cNvPr id="3" name="Content Placeholder 2"/>
-          <p:cNvSpPr>
-            <a:spLocks noGrp="1"/>
-          </p:cNvSpPr>
-          <p:nvPr>
-            <p:ph idx="1"/>
-          </p:nvPr>
-        </p:nvSpPr>
-        <p:spPr/>
-        <p:txBody>
-          <a:bodyPr>
-            <a:normAutofit/>
-          </a:bodyPr>
-          <a:lstStyle/>
-          <a:p>
-            <a:pPr marL="285750" indent="-285750">
-              <a:buFont typeface="Arial"/>
-              <a:buChar char="•"/>
-            </a:pPr>
-            <a:r>
-              <a:rPr lang="en-US" dirty="0" smtClean="0">
-                <a:solidFill>
-                  <a:srgbClr val="FFFFFF"/>
-                </a:solidFill>
-              </a:rPr>
-              <a:t>Versioning</a:t>
-            </a:r>
-            <a:endParaRPr lang="en-US" dirty="0">
-              <a:solidFill>
-                <a:srgbClr val="FFFFFF"/>
-              </a:solidFill>
-            </a:endParaRPr>
-          </a:p>
-          <a:p>
-            <a:pPr marL="285750" indent="-285750">
-              <a:buFont typeface="Arial"/>
-              <a:buChar char="•"/>
-            </a:pPr>
-            <a:r>
-              <a:rPr lang="en-US" dirty="0">
-                <a:solidFill>
-                  <a:srgbClr val="FFFFFF"/>
-                </a:solidFill>
-              </a:rPr>
-              <a:t>Rollback Release</a:t>
-            </a:r>
-          </a:p>
-          <a:p>
-            <a:pPr marL="285750" indent="-285750">
-              <a:buFont typeface="Arial"/>
-              <a:buChar char="•"/>
-            </a:pPr>
-            <a:r>
-              <a:rPr lang="en-US" dirty="0" smtClean="0">
-                <a:solidFill>
-                  <a:srgbClr val="FFFFFF"/>
-                </a:solidFill>
-              </a:rPr>
-              <a:t>History</a:t>
-            </a:r>
-          </a:p>
-          <a:p>
-            <a:pPr marL="285750" indent="-285750">
-              <a:buFont typeface="Arial"/>
-              <a:buChar char="•"/>
-            </a:pPr>
-            <a:r>
-              <a:rPr lang="en-US" dirty="0" smtClean="0">
-                <a:solidFill>
-                  <a:srgbClr val="FFFFFF"/>
-                </a:solidFill>
-              </a:rPr>
-              <a:t>Manifest</a:t>
-            </a:r>
-            <a:endParaRPr lang="en-US" dirty="0">
-              <a:solidFill>
-                <a:srgbClr val="FFFFFF"/>
-              </a:solidFill>
-            </a:endParaRPr>
-          </a:p>
-          <a:p>
-            <a:pPr marL="285750" indent="-285750">
-              <a:buFont typeface="Arial"/>
-              <a:buChar char="•"/>
-            </a:pPr>
-            <a:r>
-              <a:rPr lang="en-US" dirty="0" smtClean="0">
-                <a:solidFill>
-                  <a:srgbClr val="FFFFFF"/>
-                </a:solidFill>
-              </a:rPr>
-              <a:t>Presentation</a:t>
-            </a:r>
-          </a:p>
-          <a:p>
-            <a:pPr marL="1028700" lvl="1"/>
-            <a:r>
-              <a:rPr lang="en-US" dirty="0" smtClean="0">
-                <a:solidFill>
-                  <a:srgbClr val="FFFFFF"/>
-                </a:solidFill>
-              </a:rPr>
-              <a:t>Mark Pollack</a:t>
-            </a:r>
-          </a:p>
-          <a:p>
-            <a:pPr marL="1028700" lvl="1"/>
-            <a:r>
-              <a:rPr lang="en-US" dirty="0" smtClean="0">
-                <a:solidFill>
-                  <a:srgbClr val="FFFFFF"/>
-                </a:solidFill>
-              </a:rPr>
-              <a:t>Wednesday @5:40</a:t>
-            </a:r>
-          </a:p>
-          <a:p>
-            <a:pPr marL="1028700" lvl="1"/>
-            <a:r>
-              <a:rPr lang="en-US" dirty="0" smtClean="0">
-                <a:solidFill>
-                  <a:srgbClr val="FFFFFF"/>
-                </a:solidFill>
-              </a:rPr>
-              <a:t>Room: 2024</a:t>
-            </a:r>
-          </a:p>
-          <a:p>
-            <a:pPr marL="1028700" lvl="1"/>
-            <a:r>
-              <a:rPr lang="en-US" dirty="0" smtClean="0">
-                <a:solidFill>
-                  <a:srgbClr val="FFFFFF"/>
-                </a:solidFill>
-              </a:rPr>
-              <a:t>https</a:t>
-            </a:r>
-            <a:r>
-              <a:rPr lang="en-US" dirty="0">
-                <a:solidFill>
-                  <a:srgbClr val="FFFFFF"/>
-                </a:solidFill>
-              </a:rPr>
-              <a:t>://</a:t>
-            </a:r>
-            <a:r>
-              <a:rPr lang="en-US" dirty="0" err="1">
-                <a:solidFill>
-                  <a:srgbClr val="FFFFFF"/>
-                </a:solidFill>
-              </a:rPr>
-              <a:t>springoneplatform.io</a:t>
-            </a:r>
-            <a:r>
-              <a:rPr lang="en-US" dirty="0">
-                <a:solidFill>
-                  <a:srgbClr val="FFFFFF"/>
-                </a:solidFill>
-              </a:rPr>
-              <a:t>/sessions/continuous-deployment-made-easy-with-</a:t>
-            </a:r>
-            <a:r>
-              <a:rPr lang="en-US" dirty="0" smtClean="0">
-                <a:solidFill>
-                  <a:srgbClr val="FFFFFF"/>
-                </a:solidFill>
-              </a:rPr>
-              <a:t>skipper</a:t>
-            </a:r>
-            <a:endParaRPr lang="en-US" dirty="0">
-              <a:solidFill>
-                <a:srgbClr val="FFFFFF"/>
-              </a:solidFill>
-            </a:endParaRPr>
-          </a:p>
-        </p:txBody>
-      </p:sp>
-      <p:sp>
-        <p:nvSpPr>
-          <p:cNvPr id="4" name="Slide Number Placeholder 3"/>
-          <p:cNvSpPr>
-            <a:spLocks noGrp="1"/>
-          </p:cNvSpPr>
-          <p:nvPr>
-            <p:ph type="sldNum" sz="quarter" idx="12"/>
-          </p:nvPr>
-        </p:nvSpPr>
-        <p:spPr/>
-        <p:txBody>
-          <a:bodyPr/>
-          <a:lstStyle/>
-          <a:p>
-            <a:fld id="{CA828D68-D56D-CE4F-A3AD-9937248B076C}" type="slidenum">
-              <a:rPr lang="en-US" smtClean="0"/>
-              <a:t>2</a:t>
-            </a:fld>
-            <a:endParaRPr lang="en-US"/>
-          </a:p>
-        </p:txBody>
-      </p:sp>
-    </p:spTree>
-    <p:extLst>
-      <p:ext uri="{BB962C8B-B14F-4D97-AF65-F5344CB8AC3E}">
-        <p14:creationId xmlns:p14="http://schemas.microsoft.com/office/powerpoint/2010/main" val="499707005"/>
-      </p:ext>
-    </p:extLst>
-  </p:cSld>
-  <p:clrMapOvr>
-    <a:masterClrMapping/>
-  </p:clrMapOvr>
-  <p:timing>
-    <p:tnLst>
-      <p:par>
-        <p:cTn xmlns:p14="http://schemas.microsoft.com/office/powerpoint/2010/main" id="1" dur="indefinite" restart="never" nodeType="tmRoot"/>
-      </p:par>
-    </p:tnLst>
-  </p:timing>
-</p:sld>
-</file>
-
-<file path=ppt/slides/slide3.xml><?xml version="1.0" encoding="utf-8"?>
-<p:sld xmlns:a="http://schemas.openxmlformats.org/drawingml/2006/main" xmlns:r="http://schemas.openxmlformats.org/officeDocument/2006/relationships" xmlns:p="http://schemas.openxmlformats.org/presentationml/2006/main">
-  <p:cSld>
-    <p:spTree>
-      <p:nvGrpSpPr>
-        <p:cNvPr id="1" name=""/>
-        <p:cNvGrpSpPr/>
-        <p:nvPr/>
-      </p:nvGrpSpPr>
-      <p:grpSpPr>
-        <a:xfrm>
-          <a:off x="0" y="0"/>
-          <a:ext cx="0" cy="0"/>
-          <a:chOff x="0" y="0"/>
-          <a:chExt cx="0" cy="0"/>
-        </a:xfrm>
-      </p:grpSpPr>
-      <p:sp>
-        <p:nvSpPr>
-          <p:cNvPr id="2" name="Title 1"/>
-          <p:cNvSpPr>
-            <a:spLocks noGrp="1"/>
-          </p:cNvSpPr>
-          <p:nvPr>
-            <p:ph type="title"/>
-          </p:nvPr>
-        </p:nvSpPr>
-        <p:spPr/>
-        <p:txBody>
-          <a:bodyPr/>
-          <a:lstStyle/>
-          <a:p>
-            <a:r>
-              <a:rPr lang="en-US" dirty="0" err="1" smtClean="0"/>
-              <a:t>JavaDSL</a:t>
-            </a:r>
-            <a:endParaRPr lang="en-US" dirty="0"/>
-          </a:p>
-        </p:txBody>
-      </p:sp>
-      <p:sp>
-        <p:nvSpPr>
-          <p:cNvPr id="3" name="Content Placeholder 2"/>
-          <p:cNvSpPr>
-            <a:spLocks noGrp="1"/>
-          </p:cNvSpPr>
-          <p:nvPr>
-            <p:ph idx="1"/>
-          </p:nvPr>
-        </p:nvSpPr>
-        <p:spPr/>
-        <p:txBody>
-          <a:bodyPr>
-            <a:normAutofit/>
-          </a:bodyPr>
-          <a:lstStyle/>
-          <a:p>
-            <a:pPr marL="285750" indent="-285750">
-              <a:buFont typeface="Arial"/>
-              <a:buChar char="•"/>
-            </a:pPr>
-            <a:r>
-              <a:rPr lang="en-US" dirty="0" smtClean="0">
-                <a:solidFill>
-                  <a:srgbClr val="FFFFFF"/>
-                </a:solidFill>
-              </a:rPr>
-              <a:t>Alternative to using the Shell</a:t>
-            </a:r>
-          </a:p>
-          <a:p>
-            <a:pPr marL="285750" indent="-285750">
-              <a:buFont typeface="Arial"/>
-              <a:buChar char="•"/>
-            </a:pPr>
-            <a:r>
-              <a:rPr lang="en-US" dirty="0" smtClean="0">
-                <a:solidFill>
-                  <a:srgbClr val="FFFFFF"/>
-                </a:solidFill>
-              </a:rPr>
-              <a:t>Provides programmatic way to Create, Deploy &amp; Launch streams using a fluent API.</a:t>
-            </a:r>
-          </a:p>
-          <a:p>
-            <a:pPr marL="285750" indent="-285750">
-              <a:buFont typeface="Arial"/>
-              <a:buChar char="•"/>
-            </a:pPr>
-            <a:r>
-              <a:rPr lang="en-US" dirty="0" smtClean="0">
-                <a:solidFill>
-                  <a:srgbClr val="FFFFFF"/>
-                </a:solidFill>
-              </a:rPr>
-              <a:t>For example:</a:t>
-            </a:r>
-          </a:p>
-          <a:p>
-            <a:r>
-              <a:rPr lang="en-US" dirty="0" err="1" smtClean="0">
-                <a:solidFill>
-                  <a:srgbClr val="FFFFFF"/>
-                </a:solidFill>
-                <a:latin typeface="Courier New"/>
-                <a:cs typeface="Courier New"/>
-              </a:rPr>
-              <a:t>StreamDefinition</a:t>
-            </a:r>
-            <a:r>
-              <a:rPr lang="en-US" dirty="0" smtClean="0">
-                <a:solidFill>
-                  <a:srgbClr val="FFFFFF"/>
-                </a:solidFill>
-                <a:latin typeface="Courier New"/>
-                <a:cs typeface="Courier New"/>
-              </a:rPr>
-              <a:t> </a:t>
-            </a:r>
-            <a:r>
-              <a:rPr lang="en-US" dirty="0" err="1">
-                <a:solidFill>
-                  <a:srgbClr val="FFFFFF"/>
-                </a:solidFill>
-                <a:latin typeface="Courier New"/>
-                <a:cs typeface="Courier New"/>
-              </a:rPr>
-              <a:t>streamDefinition</a:t>
-            </a:r>
-            <a:r>
-              <a:rPr lang="en-US" dirty="0">
-                <a:solidFill>
-                  <a:srgbClr val="FFFFFF"/>
-                </a:solidFill>
-                <a:latin typeface="Courier New"/>
-                <a:cs typeface="Courier New"/>
-              </a:rPr>
-              <a:t> </a:t>
-            </a:r>
-            <a:r>
-              <a:rPr lang="en-US" dirty="0" smtClean="0">
-                <a:solidFill>
-                  <a:srgbClr val="FFFFFF"/>
-                </a:solidFill>
-                <a:latin typeface="Courier New"/>
-                <a:cs typeface="Courier New"/>
-              </a:rPr>
-              <a:t>= </a:t>
-            </a:r>
-            <a:r>
-              <a:rPr lang="en-US" dirty="0" err="1" smtClean="0">
-                <a:solidFill>
-                  <a:srgbClr val="FFFFFF"/>
-                </a:solidFill>
-                <a:latin typeface="Courier New"/>
-                <a:cs typeface="Courier New"/>
-              </a:rPr>
-              <a:t>Stream.builder</a:t>
-            </a:r>
-            <a:r>
-              <a:rPr lang="en-US" dirty="0">
-                <a:solidFill>
-                  <a:srgbClr val="FFFFFF"/>
-                </a:solidFill>
-                <a:latin typeface="Courier New"/>
-                <a:cs typeface="Courier New"/>
-              </a:rPr>
-              <a:t>(</a:t>
-            </a:r>
-            <a:r>
-              <a:rPr lang="en-US" dirty="0" err="1" smtClean="0">
-                <a:solidFill>
-                  <a:srgbClr val="FFFFFF"/>
-                </a:solidFill>
-                <a:latin typeface="Courier New"/>
-                <a:cs typeface="Courier New"/>
-              </a:rPr>
-              <a:t>dataFlowOperations</a:t>
-            </a:r>
-            <a:r>
-              <a:rPr lang="en-US" dirty="0" smtClean="0">
-                <a:solidFill>
-                  <a:srgbClr val="FFFFFF"/>
-                </a:solidFill>
-                <a:latin typeface="Courier New"/>
-                <a:cs typeface="Courier New"/>
-              </a:rPr>
-              <a:t>)</a:t>
-            </a:r>
-          </a:p>
-          <a:p>
-            <a:pPr lvl="1" indent="0">
-              <a:buNone/>
-            </a:pPr>
-            <a:r>
-              <a:rPr lang="en-US" dirty="0" smtClean="0">
-                <a:solidFill>
-                  <a:srgbClr val="FFFFFF"/>
-                </a:solidFill>
-                <a:latin typeface="Courier New"/>
-                <a:cs typeface="Courier New"/>
-              </a:rPr>
-              <a:t>.name(“</a:t>
-            </a:r>
-            <a:r>
-              <a:rPr lang="en-US" dirty="0" err="1" smtClean="0">
-                <a:solidFill>
-                  <a:srgbClr val="FFFFFF"/>
-                </a:solidFill>
-                <a:latin typeface="Courier New"/>
-                <a:cs typeface="Courier New"/>
-              </a:rPr>
-              <a:t>ticktock</a:t>
-            </a:r>
-            <a:r>
-              <a:rPr lang="en-US" dirty="0" smtClean="0">
-                <a:solidFill>
-                  <a:srgbClr val="FFFFFF"/>
-                </a:solidFill>
-                <a:latin typeface="Courier New"/>
-                <a:cs typeface="Courier New"/>
-              </a:rPr>
-              <a:t>”)</a:t>
-            </a:r>
-          </a:p>
-          <a:p>
-            <a:pPr lvl="1" indent="0">
-              <a:buNone/>
-            </a:pPr>
-            <a:r>
-              <a:rPr lang="en-US" dirty="0" smtClean="0">
-                <a:solidFill>
-                  <a:srgbClr val="FFFFFF"/>
-                </a:solidFill>
-                <a:latin typeface="Courier New"/>
-                <a:cs typeface="Courier New"/>
-              </a:rPr>
-              <a:t>.</a:t>
-            </a:r>
-            <a:r>
-              <a:rPr lang="en-US" dirty="0">
-                <a:solidFill>
-                  <a:srgbClr val="FFFFFF"/>
-                </a:solidFill>
-                <a:latin typeface="Courier New"/>
-                <a:cs typeface="Courier New"/>
-              </a:rPr>
-              <a:t>definition(“time | log”)</a:t>
-            </a:r>
-          </a:p>
-          <a:p>
-            <a:pPr lvl="1" indent="0">
-              <a:buNone/>
-            </a:pPr>
-            <a:r>
-              <a:rPr lang="en-US" dirty="0">
-                <a:solidFill>
-                  <a:srgbClr val="FFFFFF"/>
-                </a:solidFill>
-                <a:latin typeface="Courier New"/>
-                <a:cs typeface="Courier New"/>
-              </a:rPr>
-              <a:t>.create()</a:t>
-            </a:r>
-          </a:p>
-          <a:p>
-            <a:pPr marL="285750" indent="-285750">
-              <a:buFont typeface="Arial"/>
-              <a:buChar char="•"/>
-            </a:pPr>
-            <a:endParaRPr lang="en-US" dirty="0" smtClean="0">
-              <a:solidFill>
-                <a:srgbClr val="FFFFFF"/>
-              </a:solidFill>
-            </a:endParaRPr>
-          </a:p>
-        </p:txBody>
-      </p:sp>
-      <p:sp>
-        <p:nvSpPr>
-          <p:cNvPr id="4" name="Slide Number Placeholder 3"/>
-          <p:cNvSpPr>
-            <a:spLocks noGrp="1"/>
-          </p:cNvSpPr>
-          <p:nvPr>
-            <p:ph type="sldNum" sz="quarter" idx="12"/>
-          </p:nvPr>
-        </p:nvSpPr>
-        <p:spPr/>
-        <p:txBody>
-          <a:bodyPr/>
-          <a:lstStyle/>
-          <a:p>
-            <a:fld id="{CA828D68-D56D-CE4F-A3AD-9937248B076C}" type="slidenum">
-              <a:rPr lang="en-US" smtClean="0"/>
-              <a:t>3</a:t>
-            </a:fld>
-            <a:endParaRPr lang="en-US"/>
-          </a:p>
-        </p:txBody>
-      </p:sp>
-    </p:spTree>
-    <p:extLst>
-      <p:ext uri="{BB962C8B-B14F-4D97-AF65-F5344CB8AC3E}">
-        <p14:creationId xmlns:p14="http://schemas.microsoft.com/office/powerpoint/2010/main" val="3698200943"/>
-      </p:ext>
-    </p:extLst>
-  </p:cSld>
-  <p:clrMapOvr>
-    <a:masterClrMapping/>
-  </p:clrMapOvr>
-  <p:timing>
-    <p:tnLst>
-      <p:par>
-        <p:cTn xmlns:p14="http://schemas.microsoft.com/office/powerpoint/2010/main" id="1" dur="indefinite" restart="never" nodeType="tmRoot"/>
-      </p:par>
-    </p:tnLst>
-  </p:timing>
-</p:sld>
-</file>
-
-<file path=ppt/slides/slide4.xml><?xml version="1.0" encoding="utf-8"?>
-<p:sld xmlns:a="http://schemas.openxmlformats.org/drawingml/2006/main" xmlns:r="http://schemas.openxmlformats.org/officeDocument/2006/relationships" xmlns:p="http://schemas.openxmlformats.org/presentationml/2006/main">
-  <p:cSld>
-    <p:spTree>
-      <p:nvGrpSpPr>
-        <p:cNvPr id="1" name=""/>
-        <p:cNvGrpSpPr/>
-        <p:nvPr/>
-      </p:nvGrpSpPr>
-      <p:grpSpPr>
-        <a:xfrm>
-          <a:off x="0" y="0"/>
-          <a:ext cx="0" cy="0"/>
-          <a:chOff x="0" y="0"/>
-          <a:chExt cx="0" cy="0"/>
-        </a:xfrm>
-      </p:grpSpPr>
-      <p:sp>
-        <p:nvSpPr>
-          <p:cNvPr id="2" name="Title 1"/>
-          <p:cNvSpPr>
-            <a:spLocks noGrp="1"/>
-          </p:cNvSpPr>
-          <p:nvPr>
-            <p:ph type="title"/>
-          </p:nvPr>
-        </p:nvSpPr>
-        <p:spPr/>
-        <p:txBody>
-          <a:bodyPr/>
-          <a:lstStyle/>
-          <a:p>
-            <a:r>
-              <a:rPr lang="en-US" dirty="0" smtClean="0"/>
-              <a:t>UI Upgraded</a:t>
-            </a:r>
-            <a:endParaRPr lang="en-US" dirty="0"/>
-          </a:p>
-        </p:txBody>
-      </p:sp>
-      <p:sp>
-        <p:nvSpPr>
-          <p:cNvPr id="3" name="Content Placeholder 2"/>
-          <p:cNvSpPr>
-            <a:spLocks noGrp="1"/>
-          </p:cNvSpPr>
-          <p:nvPr>
-            <p:ph idx="1"/>
-          </p:nvPr>
-        </p:nvSpPr>
-        <p:spPr/>
-        <p:txBody>
-          <a:bodyPr>
-            <a:normAutofit/>
-          </a:bodyPr>
-          <a:lstStyle/>
-          <a:p>
-            <a:pPr marL="285750" indent="-285750">
-              <a:buFont typeface="Arial"/>
-              <a:buChar char="•"/>
-            </a:pPr>
-            <a:r>
-              <a:rPr lang="en-US" dirty="0" smtClean="0">
-                <a:solidFill>
-                  <a:srgbClr val="FFFFFF"/>
-                </a:solidFill>
-              </a:rPr>
-              <a:t>Angular 4</a:t>
-            </a:r>
-            <a:endParaRPr lang="en-US" dirty="0">
-              <a:solidFill>
-                <a:srgbClr val="FFFFFF"/>
-              </a:solidFill>
-            </a:endParaRPr>
-          </a:p>
-          <a:p>
-            <a:pPr marL="285750" indent="-285750">
-              <a:buFont typeface="Arial"/>
-              <a:buChar char="•"/>
-            </a:pPr>
-            <a:r>
-              <a:rPr lang="en-US" dirty="0">
-                <a:solidFill>
-                  <a:srgbClr val="FFFFFF"/>
-                </a:solidFill>
-              </a:rPr>
-              <a:t>Improved Documentation</a:t>
-            </a:r>
-          </a:p>
-          <a:p>
-            <a:pPr marL="285750" indent="-285750">
-              <a:buFont typeface="Arial"/>
-              <a:buChar char="•"/>
-            </a:pPr>
-            <a:r>
-              <a:rPr lang="en-US" dirty="0" smtClean="0">
-                <a:solidFill>
-                  <a:srgbClr val="FFFFFF"/>
-                </a:solidFill>
-              </a:rPr>
-              <a:t>Presentation</a:t>
-            </a:r>
-          </a:p>
-          <a:p>
-            <a:pPr marL="1028700" lvl="1"/>
-            <a:r>
-              <a:rPr lang="en-US" dirty="0" smtClean="0">
-                <a:solidFill>
-                  <a:srgbClr val="FFFFFF"/>
-                </a:solidFill>
-              </a:rPr>
-              <a:t>Gunnar </a:t>
-            </a:r>
-            <a:r>
-              <a:rPr lang="en-US" dirty="0" err="1" smtClean="0">
-                <a:solidFill>
-                  <a:srgbClr val="FFFFFF"/>
-                </a:solidFill>
-              </a:rPr>
-              <a:t>Hillert</a:t>
-            </a:r>
-            <a:endParaRPr lang="en-US" dirty="0">
-              <a:solidFill>
-                <a:srgbClr val="FFFFFF"/>
-              </a:solidFill>
-            </a:endParaRPr>
-          </a:p>
-          <a:p>
-            <a:pPr marL="1028700" lvl="1"/>
-            <a:r>
-              <a:rPr lang="en-US" dirty="0">
-                <a:solidFill>
-                  <a:srgbClr val="FFFFFF"/>
-                </a:solidFill>
-              </a:rPr>
-              <a:t>Wednesday </a:t>
-            </a:r>
-            <a:r>
-              <a:rPr lang="en-US" dirty="0" smtClean="0">
-                <a:solidFill>
-                  <a:srgbClr val="FFFFFF"/>
-                </a:solidFill>
-              </a:rPr>
-              <a:t>@4:20</a:t>
-            </a:r>
-            <a:endParaRPr lang="en-US" dirty="0">
-              <a:solidFill>
-                <a:srgbClr val="FFFFFF"/>
-              </a:solidFill>
-            </a:endParaRPr>
-          </a:p>
-          <a:p>
-            <a:pPr marL="1028700" lvl="1"/>
-            <a:r>
-              <a:rPr lang="en-US" dirty="0" smtClean="0">
-                <a:solidFill>
-                  <a:srgbClr val="FFFFFF"/>
-                </a:solidFill>
-              </a:rPr>
-              <a:t>Room: 2020</a:t>
-            </a:r>
-          </a:p>
-          <a:p>
-            <a:pPr marL="1028700" lvl="1"/>
-            <a:r>
-              <a:rPr lang="en-US" dirty="0">
-                <a:solidFill>
-                  <a:srgbClr val="FFFFFF"/>
-                </a:solidFill>
-              </a:rPr>
-              <a:t>https://</a:t>
-            </a:r>
-            <a:r>
-              <a:rPr lang="en-US" dirty="0" err="1">
-                <a:solidFill>
-                  <a:srgbClr val="FFFFFF"/>
-                </a:solidFill>
-              </a:rPr>
-              <a:t>springoneplatform.io</a:t>
-            </a:r>
-            <a:r>
-              <a:rPr lang="en-US" dirty="0">
-                <a:solidFill>
-                  <a:srgbClr val="FFFFFF"/>
-                </a:solidFill>
-              </a:rPr>
-              <a:t>/sessions/migrating-to-angular-4-for-spring-developers</a:t>
-            </a:r>
-            <a:endParaRPr lang="en-US" dirty="0">
-              <a:solidFill>
-                <a:srgbClr val="FFFFFF"/>
-              </a:solidFill>
-            </a:endParaRPr>
-          </a:p>
-        </p:txBody>
-      </p:sp>
-      <p:sp>
-        <p:nvSpPr>
-          <p:cNvPr id="4" name="Slide Number Placeholder 3"/>
-          <p:cNvSpPr>
-            <a:spLocks noGrp="1"/>
-          </p:cNvSpPr>
-          <p:nvPr>
-            <p:ph type="sldNum" sz="quarter" idx="12"/>
-          </p:nvPr>
-        </p:nvSpPr>
-        <p:spPr/>
-        <p:txBody>
-          <a:bodyPr/>
-          <a:lstStyle/>
-          <a:p>
-            <a:fld id="{CA828D68-D56D-CE4F-A3AD-9937248B076C}" type="slidenum">
-              <a:rPr lang="en-US" smtClean="0"/>
-              <a:t>4</a:t>
-            </a:fld>
-            <a:endParaRPr lang="en-US"/>
-          </a:p>
-        </p:txBody>
-      </p:sp>
-    </p:spTree>
-    <p:extLst>
-      <p:ext uri="{BB962C8B-B14F-4D97-AF65-F5344CB8AC3E}">
-        <p14:creationId xmlns:p14="http://schemas.microsoft.com/office/powerpoint/2010/main" val="2103622529"/>
-      </p:ext>
-    </p:extLst>
-  </p:cSld>
-  <p:clrMapOvr>
-    <a:masterClrMapping/>
-  </p:clrMapOvr>
-  <p:timing>
-    <p:tnLst>
-      <p:par>
-        <p:cTn xmlns:p14="http://schemas.microsoft.com/office/powerpoint/2010/main" id="1" dur="indefinite" restart="never" nodeType="tmRoot"/>
-      </p:par>
-    </p:tnLst>
-  </p:timing>
-</p:sld>
-</file>
-
-<file path=ppt/slides/slide5.xml><?xml version="1.0" encoding="utf-8"?>
-<p:sld xmlns:a="http://schemas.openxmlformats.org/drawingml/2006/main" xmlns:r="http://schemas.openxmlformats.org/officeDocument/2006/relationships" xmlns:p="http://schemas.openxmlformats.org/presentationml/2006/main">
-  <p:cSld>
-    <p:spTree>
-      <p:nvGrpSpPr>
-        <p:cNvPr id="1" name=""/>
-        <p:cNvGrpSpPr/>
-        <p:nvPr/>
-      </p:nvGrpSpPr>
-      <p:grpSpPr>
-        <a:xfrm>
-          <a:off x="0" y="0"/>
-          <a:ext cx="0" cy="0"/>
-          <a:chOff x="0" y="0"/>
-          <a:chExt cx="0" cy="0"/>
-        </a:xfrm>
-      </p:grpSpPr>
-      <p:sp>
-        <p:nvSpPr>
-          <p:cNvPr id="2" name="Title 1"/>
-          <p:cNvSpPr>
-            <a:spLocks noGrp="1"/>
-          </p:cNvSpPr>
-          <p:nvPr>
-            <p:ph type="title"/>
-          </p:nvPr>
-        </p:nvSpPr>
-        <p:spPr/>
-        <p:txBody>
-          <a:bodyPr/>
-          <a:lstStyle/>
-          <a:p>
-            <a:r>
-              <a:rPr lang="en-US" dirty="0" smtClean="0"/>
-              <a:t>Spring Shell</a:t>
-            </a:r>
-            <a:endParaRPr lang="en-US" dirty="0"/>
-          </a:p>
-        </p:txBody>
-      </p:sp>
-      <p:sp>
-        <p:nvSpPr>
-          <p:cNvPr id="3" name="Content Placeholder 2"/>
-          <p:cNvSpPr>
-            <a:spLocks noGrp="1"/>
-          </p:cNvSpPr>
-          <p:nvPr>
-            <p:ph idx="1"/>
-          </p:nvPr>
-        </p:nvSpPr>
-        <p:spPr/>
-        <p:txBody>
-          <a:bodyPr>
-            <a:normAutofit/>
-          </a:bodyPr>
-          <a:lstStyle/>
-          <a:p>
-            <a:pPr marL="285750" indent="-285750">
-              <a:buFont typeface="Arial"/>
-              <a:buChar char="•"/>
-            </a:pPr>
-            <a:r>
-              <a:rPr lang="en-US" dirty="0" smtClean="0">
-                <a:solidFill>
-                  <a:srgbClr val="FFFFFF"/>
-                </a:solidFill>
-              </a:rPr>
-              <a:t>Auto Completion</a:t>
-            </a:r>
-          </a:p>
-          <a:p>
-            <a:pPr marL="1028700" lvl="1"/>
-            <a:r>
-              <a:rPr lang="en-US" dirty="0" smtClean="0">
-                <a:solidFill>
-                  <a:srgbClr val="FFFFFF"/>
-                </a:solidFill>
-              </a:rPr>
-              <a:t>Stream Names</a:t>
-            </a:r>
-          </a:p>
-          <a:p>
-            <a:pPr marL="1028700" lvl="1"/>
-            <a:r>
-              <a:rPr lang="en-US" dirty="0" smtClean="0">
-                <a:solidFill>
-                  <a:srgbClr val="FFFFFF"/>
-                </a:solidFill>
-              </a:rPr>
-              <a:t>Task/Batch Names</a:t>
-            </a:r>
-          </a:p>
-          <a:p>
-            <a:pPr marL="1028700" lvl="1"/>
-            <a:r>
-              <a:rPr lang="en-US" dirty="0" smtClean="0">
-                <a:solidFill>
-                  <a:srgbClr val="FFFFFF"/>
-                </a:solidFill>
-              </a:rPr>
-              <a:t>Metadata</a:t>
-            </a:r>
-            <a:endParaRPr lang="en-US" dirty="0">
-              <a:solidFill>
-                <a:srgbClr val="FFFFFF"/>
-              </a:solidFill>
-            </a:endParaRPr>
-          </a:p>
-        </p:txBody>
-      </p:sp>
-      <p:sp>
-        <p:nvSpPr>
-          <p:cNvPr id="4" name="Slide Number Placeholder 3"/>
-          <p:cNvSpPr>
-            <a:spLocks noGrp="1"/>
-          </p:cNvSpPr>
-          <p:nvPr>
-            <p:ph type="sldNum" sz="quarter" idx="12"/>
-          </p:nvPr>
-        </p:nvSpPr>
-        <p:spPr/>
-        <p:txBody>
-          <a:bodyPr/>
-          <a:lstStyle/>
-          <a:p>
-            <a:fld id="{CA828D68-D56D-CE4F-A3AD-9937248B076C}" type="slidenum">
-              <a:rPr lang="en-US" smtClean="0"/>
-              <a:t>5</a:t>
-            </a:fld>
-            <a:endParaRPr lang="en-US"/>
-          </a:p>
-        </p:txBody>
-      </p:sp>
-    </p:spTree>
-    <p:extLst>
-      <p:ext uri="{BB962C8B-B14F-4D97-AF65-F5344CB8AC3E}">
-        <p14:creationId xmlns:p14="http://schemas.microsoft.com/office/powerpoint/2010/main" val="3463774049"/>
-      </p:ext>
-    </p:extLst>
-  </p:cSld>
-  <p:clrMapOvr>
-    <a:masterClrMapping/>
-  </p:clrMapOvr>
-  <p:timing>
-    <p:tnLst>
-      <p:par>
-        <p:cTn xmlns:p14="http://schemas.microsoft.com/office/powerpoint/2010/main" id="1" dur="indefinite" restart="never" nodeType="tmRoot"/>
-      </p:par>
-    </p:tnLst>
-  </p:timing>
-</p:sld>
-</file>
-
-<file path=ppt/slides/slide6.xml><?xml version="1.0" encoding="utf-8"?>
-<p:sld xmlns:a="http://schemas.openxmlformats.org/drawingml/2006/main" xmlns:r="http://schemas.openxmlformats.org/officeDocument/2006/relationships" xmlns:p="http://schemas.openxmlformats.org/presentationml/2006/main">
-  <p:cSld>
-    <p:spTree>
-      <p:nvGrpSpPr>
-        <p:cNvPr id="1" name=""/>
-        <p:cNvGrpSpPr/>
-        <p:nvPr/>
-      </p:nvGrpSpPr>
-      <p:grpSpPr>
-        <a:xfrm>
-          <a:off x="0" y="0"/>
-          <a:ext cx="0" cy="0"/>
-          <a:chOff x="0" y="0"/>
-          <a:chExt cx="0" cy="0"/>
-        </a:xfrm>
-      </p:grpSpPr>
-      <p:sp>
-        <p:nvSpPr>
-          <p:cNvPr id="2" name="Title 1"/>
-          <p:cNvSpPr>
-            <a:spLocks noGrp="1"/>
-          </p:cNvSpPr>
-          <p:nvPr>
-            <p:ph type="title"/>
-          </p:nvPr>
-        </p:nvSpPr>
-        <p:spPr/>
-        <p:txBody>
-          <a:bodyPr/>
-          <a:lstStyle/>
-          <a:p>
-            <a:r>
-              <a:rPr lang="en-US" dirty="0" smtClean="0"/>
-              <a:t>App Registry and Maven Update Policies</a:t>
-            </a:r>
-            <a:endParaRPr lang="en-US" dirty="0"/>
-          </a:p>
-        </p:txBody>
-      </p:sp>
-      <p:sp>
-        <p:nvSpPr>
-          <p:cNvPr id="3" name="Content Placeholder 2"/>
-          <p:cNvSpPr>
-            <a:spLocks noGrp="1"/>
-          </p:cNvSpPr>
-          <p:nvPr>
-            <p:ph idx="1"/>
-          </p:nvPr>
-        </p:nvSpPr>
-        <p:spPr/>
-        <p:txBody>
-          <a:bodyPr>
-            <a:normAutofit/>
-          </a:bodyPr>
-          <a:lstStyle/>
-          <a:p>
-            <a:pPr marL="285750" indent="-285750">
-              <a:buFont typeface="Arial"/>
-              <a:buChar char="•"/>
-            </a:pPr>
-            <a:r>
-              <a:rPr lang="en-US" dirty="0" smtClean="0">
-                <a:solidFill>
-                  <a:srgbClr val="FFFFFF"/>
-                </a:solidFill>
-              </a:rPr>
-              <a:t>Good when resolving SNAPSHOT versions for development</a:t>
-            </a:r>
-          </a:p>
-          <a:p>
-            <a:pPr marL="1028700" lvl="1"/>
-            <a:r>
-              <a:rPr lang="en-US" dirty="0" smtClean="0">
-                <a:solidFill>
-                  <a:srgbClr val="FFFFFF"/>
-                </a:solidFill>
-              </a:rPr>
-              <a:t>--update-policy=always</a:t>
-            </a:r>
-          </a:p>
-          <a:p>
-            <a:pPr marL="285750" indent="-285750">
-              <a:buFont typeface="Arial"/>
-              <a:buChar char="•"/>
-            </a:pPr>
-            <a:r>
-              <a:rPr lang="en-US" dirty="0" smtClean="0">
-                <a:solidFill>
-                  <a:srgbClr val="FFFFFF"/>
-                </a:solidFill>
-              </a:rPr>
-              <a:t>When using the http (instead of maven://) resource it always downloads</a:t>
-            </a:r>
-          </a:p>
-        </p:txBody>
-      </p:sp>
-      <p:sp>
-        <p:nvSpPr>
-          <p:cNvPr id="4" name="Slide Number Placeholder 3"/>
-          <p:cNvSpPr>
-            <a:spLocks noGrp="1"/>
-          </p:cNvSpPr>
-          <p:nvPr>
-            <p:ph type="sldNum" sz="quarter" idx="12"/>
-          </p:nvPr>
-        </p:nvSpPr>
-        <p:spPr/>
-        <p:txBody>
-          <a:bodyPr/>
-          <a:lstStyle/>
-          <a:p>
-            <a:fld id="{CA828D68-D56D-CE4F-A3AD-9937248B076C}" type="slidenum">
-              <a:rPr lang="en-US" smtClean="0"/>
-              <a:t>6</a:t>
-            </a:fld>
-            <a:endParaRPr lang="en-US"/>
-          </a:p>
-        </p:txBody>
-      </p:sp>
-    </p:spTree>
-    <p:extLst>
-      <p:ext uri="{BB962C8B-B14F-4D97-AF65-F5344CB8AC3E}">
-        <p14:creationId xmlns:p14="http://schemas.microsoft.com/office/powerpoint/2010/main" val="1765366181"/>
-      </p:ext>
-    </p:extLst>
-  </p:cSld>
-  <p:clrMapOvr>
-    <a:masterClrMapping/>
-  </p:clrMapOvr>
-  <p:timing>
-    <p:tnLst>
-      <p:par>
-        <p:cTn xmlns:p14="http://schemas.microsoft.com/office/powerpoint/2010/main" id="1" dur="indefinite" restart="never" nodeType="tmRoot"/>
-      </p:par>
-    </p:tnLst>
-  </p:timing>
-</p:sld>
-</file>
-
-<file path=ppt/slides/slide7.xml><?xml version="1.0" encoding="utf-8"?>
-<p:sld xmlns:a="http://schemas.openxmlformats.org/drawingml/2006/main" xmlns:r="http://schemas.openxmlformats.org/officeDocument/2006/relationships" xmlns:p="http://schemas.openxmlformats.org/presentationml/2006/main">
-  <p:cSld>
-    <p:spTree>
-      <p:nvGrpSpPr>
-        <p:cNvPr id="1" name=""/>
-        <p:cNvGrpSpPr/>
-        <p:nvPr/>
-      </p:nvGrpSpPr>
-      <p:grpSpPr>
-        <a:xfrm>
-          <a:off x="0" y="0"/>
-          <a:ext cx="0" cy="0"/>
-          <a:chOff x="0" y="0"/>
-          <a:chExt cx="0" cy="0"/>
-        </a:xfrm>
-      </p:grpSpPr>
-      <p:sp>
-        <p:nvSpPr>
           <p:cNvPr id="12" name="Title 11"/>
           <p:cNvSpPr>
             <a:spLocks noGrp="1"/>
@@ -5107,7 +3994,7 @@
           <a:lstStyle/>
           <a:p>
             <a:r>
-              <a:rPr lang="en-US" dirty="0" smtClean="0"/>
+              <a:rPr lang="en-US" smtClean="0"/>
               <a:t>Learn More. Stay Connected.</a:t>
             </a:r>
             <a:endParaRPr lang="en-US" dirty="0"/>
@@ -5140,22 +4027,14 @@
             <a:r>
               <a:rPr lang="en-US" dirty="0" smtClean="0">
                 <a:solidFill>
-                  <a:schemeClr val="bg1"/>
-                </a:solidFill>
-              </a:rPr>
-              <a:t>Deploying Spring Boot Apps On </a:t>
-            </a:r>
-            <a:r>
-              <a:rPr lang="en-US" dirty="0" err="1" smtClean="0">
-                <a:solidFill>
-                  <a:schemeClr val="bg1"/>
-                </a:solidFill>
-              </a:rPr>
-              <a:t>Kubernetes</a:t>
+                  <a:srgbClr val="FFFFFF"/>
+                </a:solidFill>
+              </a:rPr>
+              <a:t>Cloud Event Driven Architectures With Spring Cloud Stream 2.0</a:t>
             </a:r>
             <a:endParaRPr lang="en-US" dirty="0">
               <a:solidFill>
-                <a:schemeClr val="bg1"/>
+                <a:srgbClr val="FFFFFF"/>
               </a:solidFill>
             </a:endParaRPr>
           </a:p>
@@ -5164,22 +4043,30 @@
             <a:r>
               <a:rPr lang="en-US" dirty="0">
                 <a:solidFill>
-                  <a:schemeClr val="bg1"/>
-                </a:solidFill>
-              </a:rPr>
-              <a:t>Thomas </a:t>
+                  <a:srgbClr val="FFFFFF"/>
+                </a:solidFill>
+              </a:rPr>
+              <a:t>Gary </a:t>
+            </a:r>
+            <a:r>
+              <a:rPr lang="en-US" dirty="0" smtClean="0">
+                <a:solidFill>
+                  <a:srgbClr val="FFFFFF"/>
+                </a:solidFill>
+              </a:rPr>
+              <a:t>Russell, Oleg </a:t>
             </a:r>
             <a:r>
               <a:rPr lang="en-US" dirty="0" err="1" smtClean="0">
                 <a:solidFill>
-                  <a:schemeClr val="bg1"/>
-                </a:solidFill>
-              </a:rPr>
-              <a:t>Risberg</a:t>
+                  <a:srgbClr val="FFFFFF"/>
+                </a:solidFill>
+              </a:rPr>
+              <a:t>Zhurakousky</a:t>
             </a:r>
             <a:endParaRPr lang="en-US" dirty="0" smtClean="0">
               <a:solidFill>
-                <a:schemeClr val="bg1"/>
+                <a:srgbClr val="FFFFFF"/>
               </a:solidFill>
             </a:endParaRPr>
           </a:p>
@@ -5188,10 +4075,10 @@
             <a:r>
               <a:rPr lang="en-US" dirty="0" smtClean="0">
                 <a:solidFill>
-                  <a:schemeClr val="bg1"/>
-                </a:solidFill>
-              </a:rPr>
-              <a:t>Wednesday @2:40</a:t>
+                  <a:srgbClr val="FFFFFF"/>
+                </a:solidFill>
+              </a:rPr>
+              <a:t>Wednesday @11:30</a:t>
             </a:r>
           </a:p>
           <a:p>
@@ -5199,16 +4086,11 @@
             <a:r>
               <a:rPr lang="en-US" dirty="0" smtClean="0">
                 <a:solidFill>
-                  <a:schemeClr val="bg1"/>
-                </a:solidFill>
-              </a:rPr>
-              <a:t>Room: 2024</a:t>
-            </a:r>
-            <a:endParaRPr lang="en-US" dirty="0">
-              <a:solidFill>
-                <a:schemeClr val="bg1"/>
-              </a:solidFill>
-            </a:endParaRPr>
+                  <a:srgbClr val="FFFFFF"/>
+                </a:solidFill>
+              </a:rPr>
+              <a:t>Room: 2005</a:t>
+            </a:r>
           </a:p>
         </p:txBody>
       </p:sp>
@@ -5234,7 +4116,7 @@
           <a:p>
             <a:fld id="{CA828D68-D56D-CE4F-A3AD-9937248B076C}" type="slidenum">
               <a:rPr lang="en-US" smtClean="0"/>
-              <a:t>7</a:t>
+              <a:t>10</a:t>
             </a:fld>
             <a:endParaRPr lang="en-US"/>
           </a:p>
@@ -5446,7 +4328,7 @@
     </p:spTree>
     <p:extLst>
       <p:ext uri="{BB962C8B-B14F-4D97-AF65-F5344CB8AC3E}">
-        <p14:creationId xmlns:p14="http://schemas.microsoft.com/office/powerpoint/2010/main" val="1317138669"/>
+        <p14:creationId xmlns:p14="http://schemas.microsoft.com/office/powerpoint/2010/main" val="2742340386"/>
       </p:ext>
     </p:extLst>
   </p:cSld>
@@ -5463,7 +4345,7 @@
 </p:sld>
 </file>
 
-<file path=ppt/slides/slide8.xml><?xml version="1.0" encoding="utf-8"?>
+<file path=ppt/slides/slide11.xml><?xml version="1.0" encoding="utf-8"?>
 <p:sld xmlns:a="http://schemas.openxmlformats.org/drawingml/2006/main" xmlns:r="http://schemas.openxmlformats.org/officeDocument/2006/relationships" xmlns:p="http://schemas.openxmlformats.org/presentationml/2006/main">
   <p:cSld>
     <p:spTree>
@@ -5537,7 +4419,69 @@
                   <a:srgbClr val="FFFFFF"/>
                 </a:solidFill>
               </a:rPr>
-              <a:t>Cloud Event Driven Architectures With Spring Cloud Stream 2.0</a:t>
+              <a:t>Cloud Native Batch Processing With Spring Batch 4.0</a:t>
+            </a:r>
+          </a:p>
+          <a:p>
+            <a:pPr lvl="0" algn="l"/>
+            <a:r>
+              <a:rPr lang="en-US" dirty="0" smtClean="0">
+                <a:solidFill>
+                  <a:srgbClr val="FFFFFF"/>
+                </a:solidFill>
+              </a:rPr>
+              <a:t>Michael </a:t>
+            </a:r>
+            <a:r>
+              <a:rPr lang="en-US" dirty="0" err="1" smtClean="0">
+                <a:solidFill>
+                  <a:srgbClr val="FFFFFF"/>
+                </a:solidFill>
+              </a:rPr>
+              <a:t>Minella</a:t>
+            </a:r>
+            <a:endParaRPr lang="en-US" dirty="0" smtClean="0">
+              <a:solidFill>
+                <a:srgbClr val="FFFFFF"/>
+              </a:solidFill>
+            </a:endParaRPr>
+          </a:p>
+          <a:p>
+            <a:pPr lvl="0" algn="l"/>
+            <a:r>
+              <a:rPr lang="en-US" dirty="0" smtClean="0">
+                <a:solidFill>
+                  <a:srgbClr val="FFFFFF"/>
+                </a:solidFill>
+              </a:rPr>
+              <a:t>Tuesday@</a:t>
+            </a:r>
+            <a:r>
+              <a:rPr lang="en-US" dirty="0">
+                <a:solidFill>
+                  <a:srgbClr val="FFFFFF"/>
+                </a:solidFill>
+              </a:rPr>
+              <a:t>11:30</a:t>
+            </a:r>
+          </a:p>
+          <a:p>
+            <a:pPr lvl="0" algn="l"/>
+            <a:r>
+              <a:rPr lang="en-US" dirty="0">
+                <a:solidFill>
+                  <a:srgbClr val="FFFFFF"/>
+                </a:solidFill>
+              </a:rPr>
+              <a:t>Room: </a:t>
+            </a:r>
+            <a:r>
+              <a:rPr lang="en-US" dirty="0" smtClean="0">
+                <a:solidFill>
+                  <a:srgbClr val="FFFFFF"/>
+                </a:solidFill>
+              </a:rPr>
+              <a:t>2018</a:t>
             </a:r>
             <a:endParaRPr lang="en-US" dirty="0">
               <a:solidFill>
@@ -5547,30 +4491,6 @@
           </a:p>
           <a:p>
             <a:pPr lvl="0" algn="l"/>
-            <a:r>
-              <a:rPr lang="en-US" dirty="0">
-                <a:solidFill>
-                  <a:srgbClr val="FFFFFF"/>
-                </a:solidFill>
-              </a:rPr>
-              <a:t>Gary </a:t>
-            </a:r>
-            <a:r>
-              <a:rPr lang="en-US" dirty="0" smtClean="0">
-                <a:solidFill>
-                  <a:srgbClr val="FFFFFF"/>
-                </a:solidFill>
-              </a:rPr>
-              <a:t>Russell, Oleg </a:t>
-            </a:r>
-            <a:r>
-              <a:rPr lang="en-US" dirty="0" err="1" smtClean="0">
-                <a:solidFill>
-                  <a:srgbClr val="FFFFFF"/>
-                </a:solidFill>
-              </a:rPr>
-              <a:t>Zhurakousky</a:t>
-            </a:r>
             <a:endParaRPr lang="en-US" dirty="0" smtClean="0">
               <a:solidFill>
                 <a:srgbClr val="FFFFFF"/>
@@ -5579,25 +4499,11 @@
           </a:p>
           <a:p>
             <a:pPr lvl="0" algn="l"/>
-            <a:r>
-              <a:rPr lang="en-US" dirty="0" smtClean="0">
-                <a:solidFill>
-                  <a:srgbClr val="FFFFFF"/>
-                </a:solidFill>
-              </a:rPr>
-              <a:t>Wednesday @11:30</a:t>
-            </a:r>
-          </a:p>
-          <a:p>
-            <a:pPr lvl="0" algn="l"/>
-            <a:r>
-              <a:rPr lang="en-US" dirty="0" smtClean="0">
-                <a:solidFill>
-                  <a:srgbClr val="FFFFFF"/>
-                </a:solidFill>
-              </a:rPr>
-              <a:t>Room: 2005</a:t>
-            </a:r>
+            <a:endParaRPr lang="en-US" dirty="0">
+              <a:solidFill>
+                <a:srgbClr val="FFFFFF"/>
+              </a:solidFill>
+            </a:endParaRPr>
           </a:p>
         </p:txBody>
       </p:sp>
@@ -5623,7 +4529,7 @@
           <a:p>
             <a:fld id="{CA828D68-D56D-CE4F-A3AD-9937248B076C}" type="slidenum">
               <a:rPr lang="en-US" smtClean="0"/>
-              <a:t>8</a:t>
+              <a:t>11</a:t>
             </a:fld>
             <a:endParaRPr lang="en-US"/>
           </a:p>
@@ -5835,7 +4741,7 @@
     </p:spTree>
     <p:extLst>
       <p:ext uri="{BB962C8B-B14F-4D97-AF65-F5344CB8AC3E}">
-        <p14:creationId xmlns:p14="http://schemas.microsoft.com/office/powerpoint/2010/main" val="2742340386"/>
+        <p14:creationId xmlns:p14="http://schemas.microsoft.com/office/powerpoint/2010/main" val="840431798"/>
       </p:ext>
     </p:extLst>
   </p:cSld>
@@ -5852,7 +4758,7 @@
 </p:sld>
 </file>
 
-<file path=ppt/slides/slide9.xml><?xml version="1.0" encoding="utf-8"?>
+<file path=ppt/slides/slide2.xml><?xml version="1.0" encoding="utf-8"?>
 <p:sld xmlns:a="http://schemas.openxmlformats.org/drawingml/2006/main" xmlns:r="http://schemas.openxmlformats.org/officeDocument/2006/relationships" xmlns:p="http://schemas.openxmlformats.org/presentationml/2006/main">
   <p:cSld>
     <p:spTree>
@@ -5871,6 +4777,1424 @@
       </p:grpSpPr>
       <p:sp>
         <p:nvSpPr>
+          <p:cNvPr id="2" name="Title 1"/>
+          <p:cNvSpPr>
+            <a:spLocks noGrp="1"/>
+          </p:cNvSpPr>
+          <p:nvPr>
+            <p:ph type="title"/>
+          </p:nvPr>
+        </p:nvSpPr>
+        <p:spPr/>
+        <p:txBody>
+          <a:bodyPr/>
+          <a:lstStyle/>
+          <a:p>
+            <a:r>
+              <a:rPr lang="en-US" dirty="0" smtClean="0"/>
+              <a:t>Spring Cloud Skipper</a:t>
+            </a:r>
+            <a:endParaRPr lang="en-US" dirty="0"/>
+          </a:p>
+        </p:txBody>
+      </p:sp>
+      <p:sp>
+        <p:nvSpPr>
+          <p:cNvPr id="3" name="Content Placeholder 2"/>
+          <p:cNvSpPr>
+            <a:spLocks noGrp="1"/>
+          </p:cNvSpPr>
+          <p:nvPr>
+            <p:ph idx="1"/>
+          </p:nvPr>
+        </p:nvSpPr>
+        <p:spPr/>
+        <p:txBody>
+          <a:bodyPr>
+            <a:normAutofit/>
+          </a:bodyPr>
+          <a:lstStyle/>
+          <a:p>
+            <a:pPr marL="285750" indent="-285750">
+              <a:buFont typeface="Arial"/>
+              <a:buChar char="•"/>
+            </a:pPr>
+            <a:r>
+              <a:rPr lang="en-US" dirty="0" smtClean="0">
+                <a:solidFill>
+                  <a:srgbClr val="FFFFFF"/>
+                </a:solidFill>
+              </a:rPr>
+              <a:t>Versioning</a:t>
+            </a:r>
+            <a:endParaRPr lang="en-US" dirty="0">
+              <a:solidFill>
+                <a:srgbClr val="FFFFFF"/>
+              </a:solidFill>
+            </a:endParaRPr>
+          </a:p>
+          <a:p>
+            <a:pPr marL="285750" indent="-285750">
+              <a:buFont typeface="Arial"/>
+              <a:buChar char="•"/>
+            </a:pPr>
+            <a:r>
+              <a:rPr lang="en-US" dirty="0">
+                <a:solidFill>
+                  <a:srgbClr val="FFFFFF"/>
+                </a:solidFill>
+              </a:rPr>
+              <a:t>Rollback Release</a:t>
+            </a:r>
+          </a:p>
+          <a:p>
+            <a:pPr marL="285750" indent="-285750">
+              <a:buFont typeface="Arial"/>
+              <a:buChar char="•"/>
+            </a:pPr>
+            <a:r>
+              <a:rPr lang="en-US" dirty="0" smtClean="0">
+                <a:solidFill>
+                  <a:srgbClr val="FFFFFF"/>
+                </a:solidFill>
+              </a:rPr>
+              <a:t>History</a:t>
+            </a:r>
+          </a:p>
+          <a:p>
+            <a:pPr marL="285750" indent="-285750">
+              <a:buFont typeface="Arial"/>
+              <a:buChar char="•"/>
+            </a:pPr>
+            <a:r>
+              <a:rPr lang="en-US" dirty="0" smtClean="0">
+                <a:solidFill>
+                  <a:srgbClr val="FFFFFF"/>
+                </a:solidFill>
+              </a:rPr>
+              <a:t>Manifest</a:t>
+            </a:r>
+            <a:endParaRPr lang="en-US" dirty="0">
+              <a:solidFill>
+                <a:srgbClr val="FFFFFF"/>
+              </a:solidFill>
+            </a:endParaRPr>
+          </a:p>
+          <a:p>
+            <a:pPr marL="285750" indent="-285750">
+              <a:buFont typeface="Arial"/>
+              <a:buChar char="•"/>
+            </a:pPr>
+            <a:r>
+              <a:rPr lang="en-US" dirty="0" smtClean="0">
+                <a:solidFill>
+                  <a:srgbClr val="FFFFFF"/>
+                </a:solidFill>
+              </a:rPr>
+              <a:t>Presentation</a:t>
+            </a:r>
+          </a:p>
+          <a:p>
+            <a:pPr marL="1028700" lvl="1"/>
+            <a:r>
+              <a:rPr lang="en-US" dirty="0" smtClean="0">
+                <a:solidFill>
+                  <a:srgbClr val="FFFFFF"/>
+                </a:solidFill>
+              </a:rPr>
+              <a:t>Mark Pollack</a:t>
+            </a:r>
+          </a:p>
+          <a:p>
+            <a:pPr marL="1028700" lvl="1"/>
+            <a:r>
+              <a:rPr lang="en-US" dirty="0" smtClean="0">
+                <a:solidFill>
+                  <a:srgbClr val="FFFFFF"/>
+                </a:solidFill>
+              </a:rPr>
+              <a:t>Wednesday @5:40</a:t>
+            </a:r>
+          </a:p>
+          <a:p>
+            <a:pPr marL="1028700" lvl="1"/>
+            <a:r>
+              <a:rPr lang="en-US" dirty="0" smtClean="0">
+                <a:solidFill>
+                  <a:srgbClr val="FFFFFF"/>
+                </a:solidFill>
+              </a:rPr>
+              <a:t>Room: 2024</a:t>
+            </a:r>
+          </a:p>
+          <a:p>
+            <a:pPr marL="1028700" lvl="1"/>
+            <a:r>
+              <a:rPr lang="en-US" dirty="0" smtClean="0">
+                <a:solidFill>
+                  <a:srgbClr val="FFFFFF"/>
+                </a:solidFill>
+              </a:rPr>
+              <a:t>https</a:t>
+            </a:r>
+            <a:r>
+              <a:rPr lang="en-US" dirty="0">
+                <a:solidFill>
+                  <a:srgbClr val="FFFFFF"/>
+                </a:solidFill>
+              </a:rPr>
+              <a:t>://</a:t>
+            </a:r>
+            <a:r>
+              <a:rPr lang="en-US" dirty="0" err="1">
+                <a:solidFill>
+                  <a:srgbClr val="FFFFFF"/>
+                </a:solidFill>
+              </a:rPr>
+              <a:t>springoneplatform.io</a:t>
+            </a:r>
+            <a:r>
+              <a:rPr lang="en-US" dirty="0">
+                <a:solidFill>
+                  <a:srgbClr val="FFFFFF"/>
+                </a:solidFill>
+              </a:rPr>
+              <a:t>/sessions/continuous-deployment-made-easy-with-</a:t>
+            </a:r>
+            <a:r>
+              <a:rPr lang="en-US" dirty="0" smtClean="0">
+                <a:solidFill>
+                  <a:srgbClr val="FFFFFF"/>
+                </a:solidFill>
+              </a:rPr>
+              <a:t>skipper</a:t>
+            </a:r>
+            <a:endParaRPr lang="en-US" dirty="0">
+              <a:solidFill>
+                <a:srgbClr val="FFFFFF"/>
+              </a:solidFill>
+            </a:endParaRPr>
+          </a:p>
+        </p:txBody>
+      </p:sp>
+      <p:sp>
+        <p:nvSpPr>
+          <p:cNvPr id="4" name="Slide Number Placeholder 3"/>
+          <p:cNvSpPr>
+            <a:spLocks noGrp="1"/>
+          </p:cNvSpPr>
+          <p:nvPr>
+            <p:ph type="sldNum" sz="quarter" idx="12"/>
+          </p:nvPr>
+        </p:nvSpPr>
+        <p:spPr/>
+        <p:txBody>
+          <a:bodyPr/>
+          <a:lstStyle/>
+          <a:p>
+            <a:fld id="{CA828D68-D56D-CE4F-A3AD-9937248B076C}" type="slidenum">
+              <a:rPr lang="en-US" smtClean="0"/>
+              <a:t>2</a:t>
+            </a:fld>
+            <a:endParaRPr lang="en-US"/>
+          </a:p>
+        </p:txBody>
+      </p:sp>
+    </p:spTree>
+    <p:extLst>
+      <p:ext uri="{BB962C8B-B14F-4D97-AF65-F5344CB8AC3E}">
+        <p14:creationId xmlns:p14="http://schemas.microsoft.com/office/powerpoint/2010/main" val="499707005"/>
+      </p:ext>
+    </p:extLst>
+  </p:cSld>
+  <p:clrMapOvr>
+    <a:masterClrMapping/>
+  </p:clrMapOvr>
+  <p:timing>
+    <p:tnLst>
+      <p:par>
+        <p:cTn xmlns:p14="http://schemas.microsoft.com/office/powerpoint/2010/main" id="1" dur="indefinite" restart="never" nodeType="tmRoot"/>
+      </p:par>
+    </p:tnLst>
+  </p:timing>
+</p:sld>
+</file>
+
+<file path=ppt/slides/slide3.xml><?xml version="1.0" encoding="utf-8"?>
+<p:sld xmlns:a="http://schemas.openxmlformats.org/drawingml/2006/main" xmlns:r="http://schemas.openxmlformats.org/officeDocument/2006/relationships" xmlns:p="http://schemas.openxmlformats.org/presentationml/2006/main">
+  <p:cSld>
+    <p:spTree>
+      <p:nvGrpSpPr>
+        <p:cNvPr id="1" name=""/>
+        <p:cNvGrpSpPr/>
+        <p:nvPr/>
+      </p:nvGrpSpPr>
+      <p:grpSpPr>
+        <a:xfrm>
+          <a:off x="0" y="0"/>
+          <a:ext cx="0" cy="0"/>
+          <a:chOff x="0" y="0"/>
+          <a:chExt cx="0" cy="0"/>
+        </a:xfrm>
+      </p:grpSpPr>
+      <p:sp>
+        <p:nvSpPr>
+          <p:cNvPr id="2" name="Title 1"/>
+          <p:cNvSpPr>
+            <a:spLocks noGrp="1"/>
+          </p:cNvSpPr>
+          <p:nvPr>
+            <p:ph type="title"/>
+          </p:nvPr>
+        </p:nvSpPr>
+        <p:spPr/>
+        <p:txBody>
+          <a:bodyPr/>
+          <a:lstStyle/>
+          <a:p>
+            <a:r>
+              <a:rPr lang="en-US" dirty="0" err="1" smtClean="0"/>
+              <a:t>JavaDSL</a:t>
+            </a:r>
+            <a:endParaRPr lang="en-US" dirty="0"/>
+          </a:p>
+        </p:txBody>
+      </p:sp>
+      <p:sp>
+        <p:nvSpPr>
+          <p:cNvPr id="3" name="Content Placeholder 2"/>
+          <p:cNvSpPr>
+            <a:spLocks noGrp="1"/>
+          </p:cNvSpPr>
+          <p:nvPr>
+            <p:ph idx="1"/>
+          </p:nvPr>
+        </p:nvSpPr>
+        <p:spPr/>
+        <p:txBody>
+          <a:bodyPr>
+            <a:normAutofit fontScale="92500" lnSpcReduction="20000"/>
+          </a:bodyPr>
+          <a:lstStyle/>
+          <a:p>
+            <a:pPr marL="285750" indent="-285750">
+              <a:buFont typeface="Arial"/>
+              <a:buChar char="•"/>
+            </a:pPr>
+            <a:r>
+              <a:rPr lang="en-US" dirty="0" smtClean="0">
+                <a:solidFill>
+                  <a:srgbClr val="FFFFFF"/>
+                </a:solidFill>
+              </a:rPr>
+              <a:t>Alternative to using the Shell</a:t>
+            </a:r>
+          </a:p>
+          <a:p>
+            <a:pPr marL="285750" indent="-285750">
+              <a:buFont typeface="Arial"/>
+              <a:buChar char="•"/>
+            </a:pPr>
+            <a:r>
+              <a:rPr lang="en-US" dirty="0" smtClean="0">
+                <a:solidFill>
+                  <a:srgbClr val="FFFFFF"/>
+                </a:solidFill>
+              </a:rPr>
+              <a:t>Provides programmatic way to Create, Deploy &amp; Launch streams using a fluent API.</a:t>
+            </a:r>
+          </a:p>
+          <a:p>
+            <a:pPr marL="285750" indent="-285750">
+              <a:buFont typeface="Arial"/>
+              <a:buChar char="•"/>
+            </a:pPr>
+            <a:r>
+              <a:rPr lang="en-US" dirty="0" smtClean="0">
+                <a:solidFill>
+                  <a:srgbClr val="FFFFFF"/>
+                </a:solidFill>
+              </a:rPr>
+              <a:t>Migrating your streams from one environment to another instead of using the shell.  </a:t>
+            </a:r>
+          </a:p>
+          <a:p>
+            <a:pPr marL="1028700" lvl="1"/>
+            <a:r>
+              <a:rPr lang="en-US" dirty="0" smtClean="0">
+                <a:solidFill>
+                  <a:srgbClr val="FFFFFF"/>
+                </a:solidFill>
+              </a:rPr>
+              <a:t>Testable </a:t>
+            </a:r>
+          </a:p>
+          <a:p>
+            <a:pPr marL="1028700" lvl="1"/>
+            <a:r>
+              <a:rPr lang="en-US" dirty="0" smtClean="0">
+                <a:solidFill>
+                  <a:srgbClr val="FFFFFF"/>
+                </a:solidFill>
+              </a:rPr>
+              <a:t>Parameterize the features so it can be used across different environments</a:t>
+            </a:r>
+          </a:p>
+          <a:p>
+            <a:pPr marL="1028700" lvl="1"/>
+            <a:r>
+              <a:rPr lang="en-US" dirty="0" smtClean="0">
+                <a:solidFill>
+                  <a:srgbClr val="FFFFFF"/>
+                </a:solidFill>
+              </a:rPr>
+              <a:t>Used for team collaboration.  Pass stream definitions via argument to a app.</a:t>
+            </a:r>
+          </a:p>
+          <a:p>
+            <a:pPr marL="285750" indent="-285750">
+              <a:buFont typeface="Arial"/>
+              <a:buChar char="•"/>
+            </a:pPr>
+            <a:r>
+              <a:rPr lang="en-US" dirty="0" smtClean="0">
+                <a:solidFill>
+                  <a:srgbClr val="FFFFFF"/>
+                </a:solidFill>
+              </a:rPr>
+              <a:t>For example:</a:t>
+            </a:r>
+          </a:p>
+          <a:p>
+            <a:r>
+              <a:rPr lang="en-US" dirty="0" err="1" smtClean="0">
+                <a:solidFill>
+                  <a:srgbClr val="FFFFFF"/>
+                </a:solidFill>
+                <a:latin typeface="Courier New"/>
+                <a:cs typeface="Courier New"/>
+              </a:rPr>
+              <a:t>StreamDefinition</a:t>
+            </a:r>
+            <a:r>
+              <a:rPr lang="en-US" dirty="0" smtClean="0">
+                <a:solidFill>
+                  <a:srgbClr val="FFFFFF"/>
+                </a:solidFill>
+                <a:latin typeface="Courier New"/>
+                <a:cs typeface="Courier New"/>
+              </a:rPr>
+              <a:t> </a:t>
+            </a:r>
+            <a:r>
+              <a:rPr lang="en-US" dirty="0" err="1">
+                <a:solidFill>
+                  <a:srgbClr val="FFFFFF"/>
+                </a:solidFill>
+                <a:latin typeface="Courier New"/>
+                <a:cs typeface="Courier New"/>
+              </a:rPr>
+              <a:t>streamDefinition</a:t>
+            </a:r>
+            <a:r>
+              <a:rPr lang="en-US" dirty="0">
+                <a:solidFill>
+                  <a:srgbClr val="FFFFFF"/>
+                </a:solidFill>
+                <a:latin typeface="Courier New"/>
+                <a:cs typeface="Courier New"/>
+              </a:rPr>
+              <a:t> </a:t>
+            </a:r>
+            <a:r>
+              <a:rPr lang="en-US" dirty="0" smtClean="0">
+                <a:solidFill>
+                  <a:srgbClr val="FFFFFF"/>
+                </a:solidFill>
+                <a:latin typeface="Courier New"/>
+                <a:cs typeface="Courier New"/>
+              </a:rPr>
+              <a:t>= </a:t>
+            </a:r>
+            <a:r>
+              <a:rPr lang="en-US" dirty="0" err="1" smtClean="0">
+                <a:solidFill>
+                  <a:srgbClr val="FFFFFF"/>
+                </a:solidFill>
+                <a:latin typeface="Courier New"/>
+                <a:cs typeface="Courier New"/>
+              </a:rPr>
+              <a:t>Stream.builder</a:t>
+            </a:r>
+            <a:r>
+              <a:rPr lang="en-US" dirty="0">
+                <a:solidFill>
+                  <a:srgbClr val="FFFFFF"/>
+                </a:solidFill>
+                <a:latin typeface="Courier New"/>
+                <a:cs typeface="Courier New"/>
+              </a:rPr>
+              <a:t>(</a:t>
+            </a:r>
+            <a:r>
+              <a:rPr lang="en-US" dirty="0" err="1" smtClean="0">
+                <a:solidFill>
+                  <a:srgbClr val="FFFFFF"/>
+                </a:solidFill>
+                <a:latin typeface="Courier New"/>
+                <a:cs typeface="Courier New"/>
+              </a:rPr>
+              <a:t>dataFlowOperations</a:t>
+            </a:r>
+            <a:r>
+              <a:rPr lang="en-US" dirty="0" smtClean="0">
+                <a:solidFill>
+                  <a:srgbClr val="FFFFFF"/>
+                </a:solidFill>
+                <a:latin typeface="Courier New"/>
+                <a:cs typeface="Courier New"/>
+              </a:rPr>
+              <a:t>)</a:t>
+            </a:r>
+          </a:p>
+          <a:p>
+            <a:pPr lvl="1" indent="0">
+              <a:buNone/>
+            </a:pPr>
+            <a:r>
+              <a:rPr lang="en-US" dirty="0" smtClean="0">
+                <a:solidFill>
+                  <a:srgbClr val="FFFFFF"/>
+                </a:solidFill>
+                <a:latin typeface="Courier New"/>
+                <a:cs typeface="Courier New"/>
+              </a:rPr>
+              <a:t>.name(“</a:t>
+            </a:r>
+            <a:r>
+              <a:rPr lang="en-US" dirty="0" err="1" smtClean="0">
+                <a:solidFill>
+                  <a:srgbClr val="FFFFFF"/>
+                </a:solidFill>
+                <a:latin typeface="Courier New"/>
+                <a:cs typeface="Courier New"/>
+              </a:rPr>
+              <a:t>ticktock</a:t>
+            </a:r>
+            <a:r>
+              <a:rPr lang="en-US" dirty="0" smtClean="0">
+                <a:solidFill>
+                  <a:srgbClr val="FFFFFF"/>
+                </a:solidFill>
+                <a:latin typeface="Courier New"/>
+                <a:cs typeface="Courier New"/>
+              </a:rPr>
+              <a:t>”)</a:t>
+            </a:r>
+          </a:p>
+          <a:p>
+            <a:pPr lvl="1" indent="0">
+              <a:buNone/>
+            </a:pPr>
+            <a:r>
+              <a:rPr lang="en-US" dirty="0" smtClean="0">
+                <a:solidFill>
+                  <a:srgbClr val="FFFFFF"/>
+                </a:solidFill>
+                <a:latin typeface="Courier New"/>
+                <a:cs typeface="Courier New"/>
+              </a:rPr>
+              <a:t>.</a:t>
+            </a:r>
+            <a:r>
+              <a:rPr lang="en-US" dirty="0">
+                <a:solidFill>
+                  <a:srgbClr val="FFFFFF"/>
+                </a:solidFill>
+                <a:latin typeface="Courier New"/>
+                <a:cs typeface="Courier New"/>
+              </a:rPr>
+              <a:t>definition(“time | log”)</a:t>
+            </a:r>
+          </a:p>
+          <a:p>
+            <a:pPr lvl="1" indent="0">
+              <a:buNone/>
+            </a:pPr>
+            <a:r>
+              <a:rPr lang="en-US" dirty="0">
+                <a:solidFill>
+                  <a:srgbClr val="FFFFFF"/>
+                </a:solidFill>
+                <a:latin typeface="Courier New"/>
+                <a:cs typeface="Courier New"/>
+              </a:rPr>
+              <a:t>.create()</a:t>
+            </a:r>
+          </a:p>
+          <a:p>
+            <a:pPr marL="285750" indent="-285750">
+              <a:buFont typeface="Arial"/>
+              <a:buChar char="•"/>
+            </a:pPr>
+            <a:endParaRPr lang="en-US" dirty="0" smtClean="0">
+              <a:solidFill>
+                <a:srgbClr val="FFFFFF"/>
+              </a:solidFill>
+            </a:endParaRPr>
+          </a:p>
+        </p:txBody>
+      </p:sp>
+      <p:sp>
+        <p:nvSpPr>
+          <p:cNvPr id="4" name="Slide Number Placeholder 3"/>
+          <p:cNvSpPr>
+            <a:spLocks noGrp="1"/>
+          </p:cNvSpPr>
+          <p:nvPr>
+            <p:ph type="sldNum" sz="quarter" idx="12"/>
+          </p:nvPr>
+        </p:nvSpPr>
+        <p:spPr/>
+        <p:txBody>
+          <a:bodyPr/>
+          <a:lstStyle/>
+          <a:p>
+            <a:fld id="{CA828D68-D56D-CE4F-A3AD-9937248B076C}" type="slidenum">
+              <a:rPr lang="en-US" smtClean="0"/>
+              <a:t>3</a:t>
+            </a:fld>
+            <a:endParaRPr lang="en-US"/>
+          </a:p>
+        </p:txBody>
+      </p:sp>
+    </p:spTree>
+    <p:extLst>
+      <p:ext uri="{BB962C8B-B14F-4D97-AF65-F5344CB8AC3E}">
+        <p14:creationId xmlns:p14="http://schemas.microsoft.com/office/powerpoint/2010/main" val="3698200943"/>
+      </p:ext>
+    </p:extLst>
+  </p:cSld>
+  <p:clrMapOvr>
+    <a:masterClrMapping/>
+  </p:clrMapOvr>
+  <p:timing>
+    <p:tnLst>
+      <p:par>
+        <p:cTn xmlns:p14="http://schemas.microsoft.com/office/powerpoint/2010/main" id="1" dur="indefinite" restart="never" nodeType="tmRoot"/>
+      </p:par>
+    </p:tnLst>
+  </p:timing>
+</p:sld>
+</file>
+
+<file path=ppt/slides/slide4.xml><?xml version="1.0" encoding="utf-8"?>
+<p:sld xmlns:a="http://schemas.openxmlformats.org/drawingml/2006/main" xmlns:r="http://schemas.openxmlformats.org/officeDocument/2006/relationships" xmlns:p="http://schemas.openxmlformats.org/presentationml/2006/main">
+  <p:cSld>
+    <p:spTree>
+      <p:nvGrpSpPr>
+        <p:cNvPr id="1" name=""/>
+        <p:cNvGrpSpPr/>
+        <p:nvPr/>
+      </p:nvGrpSpPr>
+      <p:grpSpPr>
+        <a:xfrm>
+          <a:off x="0" y="0"/>
+          <a:ext cx="0" cy="0"/>
+          <a:chOff x="0" y="0"/>
+          <a:chExt cx="0" cy="0"/>
+        </a:xfrm>
+      </p:grpSpPr>
+      <p:sp>
+        <p:nvSpPr>
+          <p:cNvPr id="2" name="Title 1"/>
+          <p:cNvSpPr>
+            <a:spLocks noGrp="1"/>
+          </p:cNvSpPr>
+          <p:nvPr>
+            <p:ph type="title"/>
+          </p:nvPr>
+        </p:nvSpPr>
+        <p:spPr/>
+        <p:txBody>
+          <a:bodyPr/>
+          <a:lstStyle/>
+          <a:p>
+            <a:r>
+              <a:rPr lang="en-US" dirty="0" smtClean="0"/>
+              <a:t>UI Upgraded</a:t>
+            </a:r>
+            <a:endParaRPr lang="en-US" dirty="0"/>
+          </a:p>
+        </p:txBody>
+      </p:sp>
+      <p:sp>
+        <p:nvSpPr>
+          <p:cNvPr id="3" name="Content Placeholder 2"/>
+          <p:cNvSpPr>
+            <a:spLocks noGrp="1"/>
+          </p:cNvSpPr>
+          <p:nvPr>
+            <p:ph idx="1"/>
+          </p:nvPr>
+        </p:nvSpPr>
+        <p:spPr/>
+        <p:txBody>
+          <a:bodyPr>
+            <a:normAutofit/>
+          </a:bodyPr>
+          <a:lstStyle/>
+          <a:p>
+            <a:pPr marL="285750" indent="-285750">
+              <a:buFont typeface="Arial"/>
+              <a:buChar char="•"/>
+            </a:pPr>
+            <a:r>
+              <a:rPr lang="en-US" dirty="0" smtClean="0">
+                <a:solidFill>
+                  <a:srgbClr val="FFFFFF"/>
+                </a:solidFill>
+              </a:rPr>
+              <a:t>Angular 4</a:t>
+            </a:r>
+            <a:endParaRPr lang="en-US" dirty="0">
+              <a:solidFill>
+                <a:srgbClr val="FFFFFF"/>
+              </a:solidFill>
+            </a:endParaRPr>
+          </a:p>
+          <a:p>
+            <a:pPr marL="285750" indent="-285750">
+              <a:buFont typeface="Arial"/>
+              <a:buChar char="•"/>
+            </a:pPr>
+            <a:r>
+              <a:rPr lang="en-US" dirty="0">
+                <a:solidFill>
+                  <a:srgbClr val="FFFFFF"/>
+                </a:solidFill>
+              </a:rPr>
+              <a:t>Improved </a:t>
+            </a:r>
+            <a:r>
+              <a:rPr lang="en-US" dirty="0" smtClean="0">
+                <a:solidFill>
+                  <a:srgbClr val="FFFFFF"/>
+                </a:solidFill>
+              </a:rPr>
+              <a:t>Documentation</a:t>
+            </a:r>
+          </a:p>
+          <a:p>
+            <a:pPr marL="285750" indent="-285750">
+              <a:buFont typeface="Arial"/>
+              <a:buChar char="•"/>
+            </a:pPr>
+            <a:r>
+              <a:rPr lang="en-US" dirty="0" smtClean="0">
+                <a:solidFill>
+                  <a:srgbClr val="FFFFFF"/>
+                </a:solidFill>
+              </a:rPr>
+              <a:t>Visual Fan in and Fan out support when creating stream and composed task definitions.</a:t>
+            </a:r>
+            <a:endParaRPr lang="en-US" dirty="0">
+              <a:solidFill>
+                <a:srgbClr val="FFFFFF"/>
+              </a:solidFill>
+            </a:endParaRPr>
+          </a:p>
+          <a:p>
+            <a:pPr marL="285750" indent="-285750">
+              <a:buFont typeface="Arial"/>
+              <a:buChar char="•"/>
+            </a:pPr>
+            <a:r>
+              <a:rPr lang="en-US" dirty="0" smtClean="0">
+                <a:solidFill>
+                  <a:srgbClr val="FFFFFF"/>
+                </a:solidFill>
+              </a:rPr>
+              <a:t>Presentation</a:t>
+            </a:r>
+          </a:p>
+          <a:p>
+            <a:pPr marL="1028700" lvl="1"/>
+            <a:r>
+              <a:rPr lang="en-US" dirty="0" smtClean="0">
+                <a:solidFill>
+                  <a:srgbClr val="FFFFFF"/>
+                </a:solidFill>
+              </a:rPr>
+              <a:t>Gunnar </a:t>
+            </a:r>
+            <a:r>
+              <a:rPr lang="en-US" dirty="0" err="1" smtClean="0">
+                <a:solidFill>
+                  <a:srgbClr val="FFFFFF"/>
+                </a:solidFill>
+              </a:rPr>
+              <a:t>Hillert</a:t>
+            </a:r>
+            <a:endParaRPr lang="en-US" dirty="0">
+              <a:solidFill>
+                <a:srgbClr val="FFFFFF"/>
+              </a:solidFill>
+            </a:endParaRPr>
+          </a:p>
+          <a:p>
+            <a:pPr marL="1028700" lvl="1"/>
+            <a:r>
+              <a:rPr lang="en-US" dirty="0">
+                <a:solidFill>
+                  <a:srgbClr val="FFFFFF"/>
+                </a:solidFill>
+              </a:rPr>
+              <a:t>Wednesday </a:t>
+            </a:r>
+            <a:r>
+              <a:rPr lang="en-US" dirty="0" smtClean="0">
+                <a:solidFill>
+                  <a:srgbClr val="FFFFFF"/>
+                </a:solidFill>
+              </a:rPr>
+              <a:t>@4:20</a:t>
+            </a:r>
+            <a:endParaRPr lang="en-US" dirty="0">
+              <a:solidFill>
+                <a:srgbClr val="FFFFFF"/>
+              </a:solidFill>
+            </a:endParaRPr>
+          </a:p>
+          <a:p>
+            <a:pPr marL="1028700" lvl="1"/>
+            <a:r>
+              <a:rPr lang="en-US" dirty="0" smtClean="0">
+                <a:solidFill>
+                  <a:srgbClr val="FFFFFF"/>
+                </a:solidFill>
+              </a:rPr>
+              <a:t>Room: 2020</a:t>
+            </a:r>
+          </a:p>
+          <a:p>
+            <a:pPr marL="1028700" lvl="1"/>
+            <a:r>
+              <a:rPr lang="en-US" dirty="0">
+                <a:solidFill>
+                  <a:srgbClr val="FFFFFF"/>
+                </a:solidFill>
+              </a:rPr>
+              <a:t>https://</a:t>
+            </a:r>
+            <a:r>
+              <a:rPr lang="en-US" dirty="0" err="1">
+                <a:solidFill>
+                  <a:srgbClr val="FFFFFF"/>
+                </a:solidFill>
+              </a:rPr>
+              <a:t>springoneplatform.io</a:t>
+            </a:r>
+            <a:r>
+              <a:rPr lang="en-US" dirty="0">
+                <a:solidFill>
+                  <a:srgbClr val="FFFFFF"/>
+                </a:solidFill>
+              </a:rPr>
+              <a:t>/sessions/migrating-to-angular-4-for-spring-developers</a:t>
+            </a:r>
+          </a:p>
+        </p:txBody>
+      </p:sp>
+      <p:sp>
+        <p:nvSpPr>
+          <p:cNvPr id="4" name="Slide Number Placeholder 3"/>
+          <p:cNvSpPr>
+            <a:spLocks noGrp="1"/>
+          </p:cNvSpPr>
+          <p:nvPr>
+            <p:ph type="sldNum" sz="quarter" idx="12"/>
+          </p:nvPr>
+        </p:nvSpPr>
+        <p:spPr/>
+        <p:txBody>
+          <a:bodyPr/>
+          <a:lstStyle/>
+          <a:p>
+            <a:fld id="{CA828D68-D56D-CE4F-A3AD-9937248B076C}" type="slidenum">
+              <a:rPr lang="en-US" smtClean="0"/>
+              <a:t>4</a:t>
+            </a:fld>
+            <a:endParaRPr lang="en-US"/>
+          </a:p>
+        </p:txBody>
+      </p:sp>
+    </p:spTree>
+    <p:extLst>
+      <p:ext uri="{BB962C8B-B14F-4D97-AF65-F5344CB8AC3E}">
+        <p14:creationId xmlns:p14="http://schemas.microsoft.com/office/powerpoint/2010/main" val="2103622529"/>
+      </p:ext>
+    </p:extLst>
+  </p:cSld>
+  <p:clrMapOvr>
+    <a:masterClrMapping/>
+  </p:clrMapOvr>
+  <p:timing>
+    <p:tnLst>
+      <p:par>
+        <p:cTn xmlns:p14="http://schemas.microsoft.com/office/powerpoint/2010/main" id="1" dur="indefinite" restart="never" nodeType="tmRoot"/>
+      </p:par>
+    </p:tnLst>
+  </p:timing>
+</p:sld>
+</file>
+
+<file path=ppt/slides/slide5.xml><?xml version="1.0" encoding="utf-8"?>
+<p:sld xmlns:a="http://schemas.openxmlformats.org/drawingml/2006/main" xmlns:r="http://schemas.openxmlformats.org/officeDocument/2006/relationships" xmlns:p="http://schemas.openxmlformats.org/presentationml/2006/main">
+  <p:cSld>
+    <p:spTree>
+      <p:nvGrpSpPr>
+        <p:cNvPr id="1" name=""/>
+        <p:cNvGrpSpPr/>
+        <p:nvPr/>
+      </p:nvGrpSpPr>
+      <p:grpSpPr>
+        <a:xfrm>
+          <a:off x="0" y="0"/>
+          <a:ext cx="0" cy="0"/>
+          <a:chOff x="0" y="0"/>
+          <a:chExt cx="0" cy="0"/>
+        </a:xfrm>
+      </p:grpSpPr>
+      <p:sp>
+        <p:nvSpPr>
+          <p:cNvPr id="2" name="Title 1"/>
+          <p:cNvSpPr>
+            <a:spLocks noGrp="1"/>
+          </p:cNvSpPr>
+          <p:nvPr>
+            <p:ph type="title"/>
+          </p:nvPr>
+        </p:nvSpPr>
+        <p:spPr/>
+        <p:txBody>
+          <a:bodyPr/>
+          <a:lstStyle/>
+          <a:p>
+            <a:r>
+              <a:rPr lang="en-US" dirty="0" smtClean="0"/>
+              <a:t>Spring Shell</a:t>
+            </a:r>
+            <a:endParaRPr lang="en-US" dirty="0"/>
+          </a:p>
+        </p:txBody>
+      </p:sp>
+      <p:sp>
+        <p:nvSpPr>
+          <p:cNvPr id="3" name="Content Placeholder 2"/>
+          <p:cNvSpPr>
+            <a:spLocks noGrp="1"/>
+          </p:cNvSpPr>
+          <p:nvPr>
+            <p:ph idx="1"/>
+          </p:nvPr>
+        </p:nvSpPr>
+        <p:spPr/>
+        <p:txBody>
+          <a:bodyPr>
+            <a:normAutofit/>
+          </a:bodyPr>
+          <a:lstStyle/>
+          <a:p>
+            <a:pPr marL="285750" indent="-285750">
+              <a:buFont typeface="Arial"/>
+              <a:buChar char="•"/>
+            </a:pPr>
+            <a:r>
+              <a:rPr lang="en-US" dirty="0" smtClean="0">
+                <a:solidFill>
+                  <a:srgbClr val="FFFFFF"/>
+                </a:solidFill>
+              </a:rPr>
+              <a:t>Auto Completion</a:t>
+            </a:r>
+          </a:p>
+          <a:p>
+            <a:pPr marL="1028700" lvl="1"/>
+            <a:r>
+              <a:rPr lang="en-US" dirty="0" smtClean="0">
+                <a:solidFill>
+                  <a:srgbClr val="FFFFFF"/>
+                </a:solidFill>
+              </a:rPr>
+              <a:t>Stream Names</a:t>
+            </a:r>
+          </a:p>
+          <a:p>
+            <a:pPr marL="1028700" lvl="1"/>
+            <a:r>
+              <a:rPr lang="en-US" dirty="0" smtClean="0">
+                <a:solidFill>
+                  <a:srgbClr val="FFFFFF"/>
+                </a:solidFill>
+              </a:rPr>
+              <a:t>Task/Batch Names</a:t>
+            </a:r>
+          </a:p>
+          <a:p>
+            <a:pPr marL="1028700" lvl="1"/>
+            <a:r>
+              <a:rPr lang="en-US" dirty="0" smtClean="0">
+                <a:solidFill>
+                  <a:srgbClr val="FFFFFF"/>
+                </a:solidFill>
+              </a:rPr>
+              <a:t>Metadata</a:t>
+            </a:r>
+            <a:endParaRPr lang="en-US" dirty="0">
+              <a:solidFill>
+                <a:srgbClr val="FFFFFF"/>
+              </a:solidFill>
+            </a:endParaRPr>
+          </a:p>
+        </p:txBody>
+      </p:sp>
+      <p:sp>
+        <p:nvSpPr>
+          <p:cNvPr id="4" name="Slide Number Placeholder 3"/>
+          <p:cNvSpPr>
+            <a:spLocks noGrp="1"/>
+          </p:cNvSpPr>
+          <p:nvPr>
+            <p:ph type="sldNum" sz="quarter" idx="12"/>
+          </p:nvPr>
+        </p:nvSpPr>
+        <p:spPr/>
+        <p:txBody>
+          <a:bodyPr/>
+          <a:lstStyle/>
+          <a:p>
+            <a:fld id="{CA828D68-D56D-CE4F-A3AD-9937248B076C}" type="slidenum">
+              <a:rPr lang="en-US" smtClean="0"/>
+              <a:t>5</a:t>
+            </a:fld>
+            <a:endParaRPr lang="en-US"/>
+          </a:p>
+        </p:txBody>
+      </p:sp>
+    </p:spTree>
+    <p:extLst>
+      <p:ext uri="{BB962C8B-B14F-4D97-AF65-F5344CB8AC3E}">
+        <p14:creationId xmlns:p14="http://schemas.microsoft.com/office/powerpoint/2010/main" val="3463774049"/>
+      </p:ext>
+    </p:extLst>
+  </p:cSld>
+  <p:clrMapOvr>
+    <a:masterClrMapping/>
+  </p:clrMapOvr>
+  <p:timing>
+    <p:tnLst>
+      <p:par>
+        <p:cTn xmlns:p14="http://schemas.microsoft.com/office/powerpoint/2010/main" id="1" dur="indefinite" restart="never" nodeType="tmRoot"/>
+      </p:par>
+    </p:tnLst>
+  </p:timing>
+</p:sld>
+</file>
+
+<file path=ppt/slides/slide6.xml><?xml version="1.0" encoding="utf-8"?>
+<p:sld xmlns:a="http://schemas.openxmlformats.org/drawingml/2006/main" xmlns:r="http://schemas.openxmlformats.org/officeDocument/2006/relationships" xmlns:p="http://schemas.openxmlformats.org/presentationml/2006/main">
+  <p:cSld>
+    <p:spTree>
+      <p:nvGrpSpPr>
+        <p:cNvPr id="1" name=""/>
+        <p:cNvGrpSpPr/>
+        <p:nvPr/>
+      </p:nvGrpSpPr>
+      <p:grpSpPr>
+        <a:xfrm>
+          <a:off x="0" y="0"/>
+          <a:ext cx="0" cy="0"/>
+          <a:chOff x="0" y="0"/>
+          <a:chExt cx="0" cy="0"/>
+        </a:xfrm>
+      </p:grpSpPr>
+      <p:sp>
+        <p:nvSpPr>
+          <p:cNvPr id="2" name="Title 1"/>
+          <p:cNvSpPr>
+            <a:spLocks noGrp="1"/>
+          </p:cNvSpPr>
+          <p:nvPr>
+            <p:ph type="title"/>
+          </p:nvPr>
+        </p:nvSpPr>
+        <p:spPr/>
+        <p:txBody>
+          <a:bodyPr/>
+          <a:lstStyle/>
+          <a:p>
+            <a:r>
+              <a:rPr lang="en-US" dirty="0" smtClean="0"/>
+              <a:t>App Registry and Maven Update Policies</a:t>
+            </a:r>
+            <a:endParaRPr lang="en-US" dirty="0"/>
+          </a:p>
+        </p:txBody>
+      </p:sp>
+      <p:sp>
+        <p:nvSpPr>
+          <p:cNvPr id="3" name="Content Placeholder 2"/>
+          <p:cNvSpPr>
+            <a:spLocks noGrp="1"/>
+          </p:cNvSpPr>
+          <p:nvPr>
+            <p:ph idx="1"/>
+          </p:nvPr>
+        </p:nvSpPr>
+        <p:spPr/>
+        <p:txBody>
+          <a:bodyPr>
+            <a:normAutofit/>
+          </a:bodyPr>
+          <a:lstStyle/>
+          <a:p>
+            <a:pPr marL="285750" indent="-285750">
+              <a:buFont typeface="Arial"/>
+              <a:buChar char="•"/>
+            </a:pPr>
+            <a:r>
+              <a:rPr lang="en-US" dirty="0" smtClean="0">
+                <a:solidFill>
+                  <a:srgbClr val="FFFFFF"/>
+                </a:solidFill>
+              </a:rPr>
+              <a:t>Good when resolving SNAPSHOT versions for development</a:t>
+            </a:r>
+          </a:p>
+          <a:p>
+            <a:pPr marL="1028700" lvl="1"/>
+            <a:r>
+              <a:rPr lang="en-US" dirty="0" smtClean="0">
+                <a:solidFill>
+                  <a:srgbClr val="FFFFFF"/>
+                </a:solidFill>
+              </a:rPr>
+              <a:t>--update-policy=always</a:t>
+            </a:r>
+          </a:p>
+          <a:p>
+            <a:pPr marL="285750" indent="-285750">
+              <a:buFont typeface="Arial"/>
+              <a:buChar char="•"/>
+            </a:pPr>
+            <a:r>
+              <a:rPr lang="en-US" dirty="0" smtClean="0">
+                <a:solidFill>
+                  <a:srgbClr val="FFFFFF"/>
+                </a:solidFill>
+              </a:rPr>
+              <a:t>When using the http (instead of maven://) resource it always downloads</a:t>
+            </a:r>
+          </a:p>
+        </p:txBody>
+      </p:sp>
+      <p:sp>
+        <p:nvSpPr>
+          <p:cNvPr id="4" name="Slide Number Placeholder 3"/>
+          <p:cNvSpPr>
+            <a:spLocks noGrp="1"/>
+          </p:cNvSpPr>
+          <p:nvPr>
+            <p:ph type="sldNum" sz="quarter" idx="12"/>
+          </p:nvPr>
+        </p:nvSpPr>
+        <p:spPr/>
+        <p:txBody>
+          <a:bodyPr/>
+          <a:lstStyle/>
+          <a:p>
+            <a:fld id="{CA828D68-D56D-CE4F-A3AD-9937248B076C}" type="slidenum">
+              <a:rPr lang="en-US" smtClean="0"/>
+              <a:t>6</a:t>
+            </a:fld>
+            <a:endParaRPr lang="en-US"/>
+          </a:p>
+        </p:txBody>
+      </p:sp>
+    </p:spTree>
+    <p:extLst>
+      <p:ext uri="{BB962C8B-B14F-4D97-AF65-F5344CB8AC3E}">
+        <p14:creationId xmlns:p14="http://schemas.microsoft.com/office/powerpoint/2010/main" val="1765366181"/>
+      </p:ext>
+    </p:extLst>
+  </p:cSld>
+  <p:clrMapOvr>
+    <a:masterClrMapping/>
+  </p:clrMapOvr>
+  <p:timing>
+    <p:tnLst>
+      <p:par>
+        <p:cTn xmlns:p14="http://schemas.microsoft.com/office/powerpoint/2010/main" id="1" dur="indefinite" restart="never" nodeType="tmRoot"/>
+      </p:par>
+    </p:tnLst>
+  </p:timing>
+</p:sld>
+</file>
+
+<file path=ppt/slides/slide7.xml><?xml version="1.0" encoding="utf-8"?>
+<p:sld xmlns:a="http://schemas.openxmlformats.org/drawingml/2006/main" xmlns:r="http://schemas.openxmlformats.org/officeDocument/2006/relationships" xmlns:p="http://schemas.openxmlformats.org/presentationml/2006/main">
+  <p:cSld>
+    <p:spTree>
+      <p:nvGrpSpPr>
+        <p:cNvPr id="1" name=""/>
+        <p:cNvGrpSpPr/>
+        <p:nvPr/>
+      </p:nvGrpSpPr>
+      <p:grpSpPr>
+        <a:xfrm>
+          <a:off x="0" y="0"/>
+          <a:ext cx="0" cy="0"/>
+          <a:chOff x="0" y="0"/>
+          <a:chExt cx="0" cy="0"/>
+        </a:xfrm>
+      </p:grpSpPr>
+      <p:sp>
+        <p:nvSpPr>
+          <p:cNvPr id="2" name="Title 1"/>
+          <p:cNvSpPr>
+            <a:spLocks noGrp="1"/>
+          </p:cNvSpPr>
+          <p:nvPr>
+            <p:ph type="title"/>
+          </p:nvPr>
+        </p:nvSpPr>
+        <p:spPr/>
+        <p:txBody>
+          <a:bodyPr/>
+          <a:lstStyle/>
+          <a:p>
+            <a:r>
+              <a:rPr lang="en-US" dirty="0" smtClean="0"/>
+              <a:t>New Out of the Box Apps	</a:t>
+            </a:r>
+            <a:endParaRPr lang="en-US" dirty="0"/>
+          </a:p>
+        </p:txBody>
+      </p:sp>
+      <p:sp>
+        <p:nvSpPr>
+          <p:cNvPr id="3" name="Content Placeholder 2"/>
+          <p:cNvSpPr>
+            <a:spLocks noGrp="1"/>
+          </p:cNvSpPr>
+          <p:nvPr>
+            <p:ph idx="1"/>
+          </p:nvPr>
+        </p:nvSpPr>
+        <p:spPr/>
+        <p:txBody>
+          <a:bodyPr>
+            <a:normAutofit lnSpcReduction="10000"/>
+          </a:bodyPr>
+          <a:lstStyle/>
+          <a:p>
+            <a:pPr marL="285750" indent="-285750">
+              <a:buFont typeface="Arial"/>
+              <a:buChar char="•"/>
+            </a:pPr>
+            <a:r>
+              <a:rPr lang="en-US" dirty="0" smtClean="0"/>
+              <a:t>Function</a:t>
+            </a:r>
+          </a:p>
+          <a:p>
+            <a:pPr marL="1028700" lvl="1"/>
+            <a:r>
+              <a:rPr lang="en-US" dirty="0" err="1" smtClean="0"/>
+              <a:t>Fn</a:t>
+            </a:r>
+            <a:r>
+              <a:rPr lang="en-US" dirty="0" smtClean="0"/>
+              <a:t>-Source</a:t>
+            </a:r>
+          </a:p>
+          <a:p>
+            <a:pPr marL="1028700" lvl="1"/>
+            <a:r>
+              <a:rPr lang="en-US" dirty="0" err="1" smtClean="0"/>
+              <a:t>Fn</a:t>
+            </a:r>
+            <a:r>
+              <a:rPr lang="en-US" dirty="0" smtClean="0"/>
+              <a:t>-Processor</a:t>
+            </a:r>
+          </a:p>
+          <a:p>
+            <a:pPr marL="1028700" lvl="1"/>
+            <a:r>
+              <a:rPr lang="en-US" dirty="0" err="1" smtClean="0"/>
+              <a:t>Fn</a:t>
+            </a:r>
+            <a:r>
+              <a:rPr lang="en-US" dirty="0" smtClean="0"/>
+              <a:t>-Sink</a:t>
+            </a:r>
+          </a:p>
+          <a:p>
+            <a:pPr marL="285750" indent="-285750">
+              <a:buFont typeface="Arial"/>
+              <a:buChar char="•"/>
+            </a:pPr>
+            <a:r>
+              <a:rPr lang="en-US" dirty="0" smtClean="0"/>
+              <a:t>MQTT </a:t>
+            </a:r>
+          </a:p>
+          <a:p>
+            <a:pPr marL="285750" indent="-285750">
+              <a:buFont typeface="Arial"/>
+              <a:buChar char="•"/>
+            </a:pPr>
+            <a:r>
+              <a:rPr lang="en-US" dirty="0" err="1" smtClean="0"/>
+              <a:t>TensorFlow</a:t>
+            </a:r>
+            <a:endParaRPr lang="en-US" dirty="0" smtClean="0"/>
+          </a:p>
+          <a:p>
+            <a:pPr marL="285750" indent="-285750">
+              <a:buFont typeface="Arial"/>
+              <a:buChar char="•"/>
+            </a:pPr>
+            <a:r>
+              <a:rPr lang="en-US" dirty="0" err="1" smtClean="0"/>
+              <a:t>Py</a:t>
+            </a:r>
+            <a:r>
+              <a:rPr lang="en-US" dirty="0" smtClean="0"/>
+              <a:t>-Script</a:t>
+            </a:r>
+          </a:p>
+          <a:p>
+            <a:pPr marL="285750" indent="-285750">
+              <a:buFont typeface="Arial"/>
+              <a:buChar char="•"/>
+            </a:pPr>
+            <a:r>
+              <a:rPr lang="en-US" dirty="0" err="1" smtClean="0"/>
+              <a:t>Py</a:t>
+            </a:r>
+            <a:r>
+              <a:rPr lang="en-US" dirty="0" smtClean="0"/>
+              <a:t>-http</a:t>
+            </a:r>
+          </a:p>
+          <a:p>
+            <a:pPr marL="285750" indent="-285750">
+              <a:buFont typeface="Arial"/>
+              <a:buChar char="•"/>
+            </a:pPr>
+            <a:r>
+              <a:rPr lang="en-US" dirty="0" err="1" smtClean="0"/>
+              <a:t>KStream</a:t>
+            </a:r>
+            <a:r>
+              <a:rPr lang="en-US" dirty="0" smtClean="0"/>
+              <a:t> (develop a processor with </a:t>
+            </a:r>
+            <a:r>
+              <a:rPr lang="en-US" dirty="0" err="1" smtClean="0"/>
+              <a:t>KStream</a:t>
+            </a:r>
+            <a:r>
+              <a:rPr lang="en-US" dirty="0" smtClean="0"/>
+              <a:t>) * </a:t>
+            </a:r>
+          </a:p>
+          <a:p>
+            <a:pPr marL="1028700" lvl="1"/>
+            <a:r>
+              <a:rPr lang="en-US" dirty="0" smtClean="0"/>
+              <a:t>Processor app with a </a:t>
+            </a:r>
+            <a:r>
+              <a:rPr lang="en-US" dirty="0" err="1" smtClean="0"/>
+              <a:t>KStream</a:t>
+            </a:r>
+            <a:r>
+              <a:rPr lang="en-US" dirty="0" smtClean="0"/>
+              <a:t> dependency and develop your own app.</a:t>
+            </a:r>
+          </a:p>
+          <a:p>
+            <a:pPr marL="285750" indent="-285750">
+              <a:buFont typeface="Arial"/>
+              <a:buChar char="•"/>
+            </a:pPr>
+            <a:r>
+              <a:rPr lang="en-US" dirty="0" smtClean="0"/>
+              <a:t>Others on the way</a:t>
+            </a:r>
+            <a:endParaRPr lang="en-US" dirty="0"/>
+          </a:p>
+        </p:txBody>
+      </p:sp>
+      <p:sp>
+        <p:nvSpPr>
+          <p:cNvPr id="4" name="Slide Number Placeholder 3"/>
+          <p:cNvSpPr>
+            <a:spLocks noGrp="1"/>
+          </p:cNvSpPr>
+          <p:nvPr>
+            <p:ph type="sldNum" sz="quarter" idx="12"/>
+          </p:nvPr>
+        </p:nvSpPr>
+        <p:spPr/>
+        <p:txBody>
+          <a:bodyPr/>
+          <a:lstStyle/>
+          <a:p>
+            <a:fld id="{CA828D68-D56D-CE4F-A3AD-9937248B076C}" type="slidenum">
+              <a:rPr lang="en-US" smtClean="0"/>
+              <a:t>7</a:t>
+            </a:fld>
+            <a:endParaRPr lang="en-US"/>
+          </a:p>
+        </p:txBody>
+      </p:sp>
+    </p:spTree>
+    <p:extLst>
+      <p:ext uri="{BB962C8B-B14F-4D97-AF65-F5344CB8AC3E}">
+        <p14:creationId xmlns:p14="http://schemas.microsoft.com/office/powerpoint/2010/main" val="3201596158"/>
+      </p:ext>
+    </p:extLst>
+  </p:cSld>
+  <p:clrMapOvr>
+    <a:masterClrMapping/>
+  </p:clrMapOvr>
+</p:sld>
+</file>
+
+<file path=ppt/slides/slide8.xml><?xml version="1.0" encoding="utf-8"?>
+<p:sld xmlns:a="http://schemas.openxmlformats.org/drawingml/2006/main" xmlns:r="http://schemas.openxmlformats.org/officeDocument/2006/relationships" xmlns:p="http://schemas.openxmlformats.org/presentationml/2006/main">
+  <p:cSld>
+    <p:spTree>
+      <p:nvGrpSpPr>
+        <p:cNvPr id="1" name=""/>
+        <p:cNvGrpSpPr/>
+        <p:nvPr/>
+      </p:nvGrpSpPr>
+      <p:grpSpPr>
+        <a:xfrm>
+          <a:off x="0" y="0"/>
+          <a:ext cx="0" cy="0"/>
+          <a:chOff x="0" y="0"/>
+          <a:chExt cx="0" cy="0"/>
+        </a:xfrm>
+      </p:grpSpPr>
+      <p:sp>
+        <p:nvSpPr>
           <p:cNvPr id="12" name="Title 11"/>
           <p:cNvSpPr>
             <a:spLocks noGrp="1"/>
@@ -5890,7 +6214,7 @@
           <a:lstStyle/>
           <a:p>
             <a:r>
-              <a:rPr lang="en-US" smtClean="0"/>
+              <a:rPr lang="en-US" dirty="0" smtClean="0"/>
               <a:t>Learn More. Stay Connected.</a:t>
             </a:r>
             <a:endParaRPr lang="en-US" dirty="0"/>
@@ -5923,33 +6247,62 @@
             <a:r>
               <a:rPr lang="en-US" dirty="0" smtClean="0">
                 <a:solidFill>
-                  <a:srgbClr val="FFFFFF"/>
-                </a:solidFill>
-              </a:rPr>
-              <a:t>Cloud Native Batch Processing With Spring Batch 4.0</a:t>
-            </a:r>
+                  <a:schemeClr val="bg1"/>
+                </a:solidFill>
+              </a:rPr>
+              <a:t>Orchestrating </a:t>
+            </a:r>
+            <a:r>
+              <a:rPr lang="en-US" dirty="0" err="1" smtClean="0">
+                <a:solidFill>
+                  <a:schemeClr val="bg1"/>
+                </a:solidFill>
+              </a:rPr>
+              <a:t>Microservices</a:t>
+            </a:r>
+            <a:r>
+              <a:rPr lang="en-US" dirty="0">
+                <a:solidFill>
+                  <a:schemeClr val="bg1"/>
+                </a:solidFill>
+              </a:rPr>
+              <a:t> </a:t>
+            </a:r>
+            <a:r>
+              <a:rPr lang="en-US" dirty="0" smtClean="0">
+                <a:solidFill>
+                  <a:schemeClr val="bg1"/>
+                </a:solidFill>
+              </a:rPr>
+              <a:t>with Spring Cloud </a:t>
+            </a:r>
+            <a:r>
+              <a:rPr lang="en-US" smtClean="0">
+                <a:solidFill>
+                  <a:schemeClr val="bg1"/>
+                </a:solidFill>
+              </a:rPr>
+              <a:t>Data Flow</a:t>
+            </a:r>
+            <a:endParaRPr lang="en-US" dirty="0">
+              <a:solidFill>
+                <a:schemeClr val="bg1"/>
+              </a:solidFill>
+            </a:endParaRPr>
           </a:p>
           <a:p>
             <a:pPr lvl="0" algn="l"/>
             <a:r>
               <a:rPr lang="en-US" dirty="0" smtClean="0">
                 <a:solidFill>
-                  <a:srgbClr val="FFFFFF"/>
-                </a:solidFill>
-              </a:rPr>
-              <a:t>Michael </a:t>
-            </a:r>
-            <a:r>
-              <a:rPr lang="en-US" dirty="0" err="1" smtClean="0">
-                <a:solidFill>
-                  <a:srgbClr val="FFFFFF"/>
-                </a:solidFill>
-              </a:rPr>
-              <a:t>Minella</a:t>
+                  <a:schemeClr val="bg1"/>
+                </a:solidFill>
+              </a:rPr>
+              <a:t>Mark Pollack</a:t>
             </a:r>
             <a:endParaRPr lang="en-US" dirty="0" smtClean="0">
               <a:solidFill>
-                <a:srgbClr val="FFFFFF"/>
+                <a:schemeClr val="bg1"/>
               </a:solidFill>
             </a:endParaRPr>
           </a:p>
@@ -5958,26 +6311,23 @@
             <a:r>
               <a:rPr lang="en-US" dirty="0" smtClean="0">
                 <a:solidFill>
-                  <a:srgbClr val="FFFFFF"/>
-                </a:solidFill>
-              </a:rPr>
-              <a:t>Tuesday@</a:t>
-            </a:r>
-            <a:r>
-              <a:rPr lang="en-US" dirty="0">
-                <a:solidFill>
-                  <a:srgbClr val="FFFFFF"/>
-                </a:solidFill>
-              </a:rPr>
-              <a:t>11:30</a:t>
-            </a:r>
+                  <a:schemeClr val="bg1"/>
+                </a:solidFill>
+              </a:rPr>
+              <a:t>Thursday @10:30</a:t>
+            </a:r>
+            <a:endParaRPr lang="en-US" dirty="0" smtClean="0">
+              <a:solidFill>
+                <a:schemeClr val="bg1"/>
+              </a:solidFill>
+            </a:endParaRPr>
           </a:p>
           <a:p>
             <a:pPr lvl="0" algn="l"/>
             <a:r>
-              <a:rPr lang="en-US" dirty="0">
-                <a:solidFill>
-                  <a:srgbClr val="FFFFFF"/>
+              <a:rPr lang="en-US" dirty="0" smtClean="0">
+                <a:solidFill>
+                  <a:schemeClr val="bg1"/>
                 </a:solidFill>
               </a:rPr>
               <a:t>Room: </a:t>
@@ -5985,30 +6335,14 @@
             <a:r>
               <a:rPr lang="en-US" dirty="0" smtClean="0">
                 <a:solidFill>
-                  <a:srgbClr val="FFFFFF"/>
-                </a:solidFill>
-              </a:rPr>
-              <a:t>2018</a:t>
+                  <a:schemeClr val="bg1"/>
+                </a:solidFill>
+              </a:rPr>
+              <a:t>2005</a:t>
             </a:r>
             <a:endParaRPr lang="en-US" dirty="0">
               <a:solidFill>
-                <a:srgbClr val="FFFFFF"/>
-              </a:solidFill>
-            </a:endParaRPr>
-          </a:p>
-          <a:p>
-            <a:pPr lvl="0" algn="l"/>
-            <a:endParaRPr lang="en-US" dirty="0" smtClean="0">
-              <a:solidFill>
-                <a:srgbClr val="FFFFFF"/>
-              </a:solidFill>
-            </a:endParaRPr>
-          </a:p>
-          <a:p>
-            <a:pPr lvl="0" algn="l"/>
-            <a:endParaRPr lang="en-US" dirty="0">
-              <a:solidFill>
-                <a:srgbClr val="FFFFFF"/>
+                <a:schemeClr val="bg1"/>
               </a:solidFill>
             </a:endParaRPr>
           </a:p>
@@ -6036,7 +6370,7 @@
           <a:p>
             <a:fld id="{CA828D68-D56D-CE4F-A3AD-9937248B076C}" type="slidenum">
               <a:rPr lang="en-US" smtClean="0"/>
-              <a:t>9</a:t>
+              <a:t>8</a:t>
             </a:fld>
             <a:endParaRPr lang="en-US"/>
           </a:p>
@@ -6248,7 +6582,401 @@
     </p:spTree>
     <p:extLst>
       <p:ext uri="{BB962C8B-B14F-4D97-AF65-F5344CB8AC3E}">
-        <p14:creationId xmlns:p14="http://schemas.microsoft.com/office/powerpoint/2010/main" val="840431798"/>
+        <p14:creationId xmlns:p14="http://schemas.microsoft.com/office/powerpoint/2010/main" val="1317138669"/>
+      </p:ext>
+    </p:extLst>
+  </p:cSld>
+  <p:clrMapOvr>
+    <a:masterClrMapping/>
+  </p:clrMapOvr>
+  <p:timing>
+    <p:tnLst>
+      <p:par>
+        <p:cTn xmlns:p14="http://schemas.microsoft.com/office/powerpoint/2010/main" id="1" dur="indefinite" restart="never" nodeType="tmRoot"/>
+      </p:par>
+    </p:tnLst>
+  </p:timing>
+</p:sld>
+</file>
+
+<file path=ppt/slides/slide9.xml><?xml version="1.0" encoding="utf-8"?>
+<p:sld xmlns:a="http://schemas.openxmlformats.org/drawingml/2006/main" xmlns:r="http://schemas.openxmlformats.org/officeDocument/2006/relationships" xmlns:p="http://schemas.openxmlformats.org/presentationml/2006/main">
+  <p:cSld>
+    <p:spTree>
+      <p:nvGrpSpPr>
+        <p:cNvPr id="1" name=""/>
+        <p:cNvGrpSpPr/>
+        <p:nvPr/>
+      </p:nvGrpSpPr>
+      <p:grpSpPr>
+        <a:xfrm>
+          <a:off x="0" y="0"/>
+          <a:ext cx="0" cy="0"/>
+          <a:chOff x="0" y="0"/>
+          <a:chExt cx="0" cy="0"/>
+        </a:xfrm>
+      </p:grpSpPr>
+      <p:sp>
+        <p:nvSpPr>
+          <p:cNvPr id="12" name="Title 11"/>
+          <p:cNvSpPr>
+            <a:spLocks noGrp="1"/>
+          </p:cNvSpPr>
+          <p:nvPr>
+            <p:ph type="ctrTitle"/>
+          </p:nvPr>
+        </p:nvSpPr>
+        <p:spPr>
+          <a:xfrm>
+            <a:off x="685800" y="846718"/>
+            <a:ext cx="7772400" cy="745835"/>
+          </a:xfrm>
+        </p:spPr>
+        <p:txBody>
+          <a:bodyPr/>
+          <a:lstStyle/>
+          <a:p>
+            <a:r>
+              <a:rPr lang="en-US" dirty="0" smtClean="0"/>
+              <a:t>Learn More. Stay Connected.</a:t>
+            </a:r>
+            <a:endParaRPr lang="en-US" dirty="0"/>
+          </a:p>
+        </p:txBody>
+      </p:sp>
+      <p:sp>
+        <p:nvSpPr>
+          <p:cNvPr id="13" name="Subtitle 12"/>
+          <p:cNvSpPr>
+            <a:spLocks noGrp="1"/>
+          </p:cNvSpPr>
+          <p:nvPr>
+            <p:ph type="subTitle" idx="1"/>
+          </p:nvPr>
+        </p:nvSpPr>
+        <p:spPr>
+          <a:xfrm>
+            <a:off x="685800" y="1973482"/>
+            <a:ext cx="7772400" cy="1562382"/>
+          </a:xfrm>
+        </p:spPr>
+        <p:txBody>
+          <a:bodyPr>
+            <a:normAutofit/>
+          </a:bodyPr>
+          <a:lstStyle/>
+          <a:p>
+            <a:pPr lvl="0" algn="l"/>
+            <a:r>
+              <a:rPr lang="en-US" dirty="0" smtClean="0">
+                <a:solidFill>
+                  <a:schemeClr val="bg1"/>
+                </a:solidFill>
+              </a:rPr>
+              <a:t>Deploying Spring Boot Apps On </a:t>
+            </a:r>
+            <a:r>
+              <a:rPr lang="en-US" dirty="0" err="1" smtClean="0">
+                <a:solidFill>
+                  <a:schemeClr val="bg1"/>
+                </a:solidFill>
+              </a:rPr>
+              <a:t>Kubernetes</a:t>
+            </a:r>
+            <a:endParaRPr lang="en-US" dirty="0">
+              <a:solidFill>
+                <a:schemeClr val="bg1"/>
+              </a:solidFill>
+            </a:endParaRPr>
+          </a:p>
+          <a:p>
+            <a:pPr lvl="0" algn="l"/>
+            <a:r>
+              <a:rPr lang="en-US" dirty="0">
+                <a:solidFill>
+                  <a:schemeClr val="bg1"/>
+                </a:solidFill>
+              </a:rPr>
+              <a:t>Thomas </a:t>
+            </a:r>
+            <a:r>
+              <a:rPr lang="en-US" dirty="0" err="1" smtClean="0">
+                <a:solidFill>
+                  <a:schemeClr val="bg1"/>
+                </a:solidFill>
+              </a:rPr>
+              <a:t>Risberg</a:t>
+            </a:r>
+            <a:endParaRPr lang="en-US" dirty="0" smtClean="0">
+              <a:solidFill>
+                <a:schemeClr val="bg1"/>
+              </a:solidFill>
+            </a:endParaRPr>
+          </a:p>
+          <a:p>
+            <a:pPr lvl="0" algn="l"/>
+            <a:r>
+              <a:rPr lang="en-US" dirty="0" smtClean="0">
+                <a:solidFill>
+                  <a:schemeClr val="bg1"/>
+                </a:solidFill>
+              </a:rPr>
+              <a:t>Wednesday @2:40</a:t>
+            </a:r>
+          </a:p>
+          <a:p>
+            <a:pPr lvl="0" algn="l"/>
+            <a:r>
+              <a:rPr lang="en-US" dirty="0" smtClean="0">
+                <a:solidFill>
+                  <a:schemeClr val="bg1"/>
+                </a:solidFill>
+              </a:rPr>
+              <a:t>Room: 2024</a:t>
+            </a:r>
+            <a:endParaRPr lang="en-US" dirty="0">
+              <a:solidFill>
+                <a:schemeClr val="bg1"/>
+              </a:solidFill>
+            </a:endParaRPr>
+          </a:p>
+        </p:txBody>
+      </p:sp>
+      <p:sp>
+        <p:nvSpPr>
+          <p:cNvPr id="4" name="Slide Number Placeholder 3"/>
+          <p:cNvSpPr>
+            <a:spLocks noGrp="1"/>
+          </p:cNvSpPr>
+          <p:nvPr>
+            <p:ph type="sldNum" sz="quarter" idx="4294967295"/>
+          </p:nvPr>
+        </p:nvSpPr>
+        <p:spPr>
+          <a:xfrm>
+            <a:off x="8247063" y="4721225"/>
+            <a:ext cx="896937" cy="274638"/>
+          </a:xfrm>
+        </p:spPr>
+        <p:txBody>
+          <a:bodyPr/>
+          <a:lstStyle/>
+          <a:p>
+            <a:fld id="{CA828D68-D56D-CE4F-A3AD-9937248B076C}" type="slidenum">
+              <a:rPr lang="en-US" smtClean="0"/>
+              <a:t>9</a:t>
+            </a:fld>
+            <a:endParaRPr lang="en-US"/>
+          </a:p>
+        </p:txBody>
+      </p:sp>
+      <p:cxnSp>
+        <p:nvCxnSpPr>
+          <p:cNvPr id="14" name="Straight Connector 13"/>
+          <p:cNvCxnSpPr/>
+          <p:nvPr/>
+        </p:nvCxnSpPr>
+        <p:spPr>
+          <a:xfrm>
+            <a:off x="4319588" y="1793088"/>
+            <a:ext cx="504825" cy="0"/>
+          </a:xfrm>
+          <a:prstGeom prst="line">
+            <a:avLst/>
+          </a:prstGeom>
+          <a:ln>
+            <a:solidFill>
+              <a:srgbClr val="FFFFFF"/>
+            </a:solidFill>
+          </a:ln>
+          <a:effectLst/>
+        </p:spPr>
+        <p:style>
+          <a:lnRef idx="2">
+            <a:schemeClr val="accent1"/>
+          </a:lnRef>
+          <a:fillRef idx="0">
+            <a:schemeClr val="accent1"/>
+          </a:fillRef>
+          <a:effectRef idx="1">
+            <a:schemeClr val="accent1"/>
+          </a:effectRef>
+          <a:fontRef idx="minor">
+            <a:schemeClr val="tx1"/>
+          </a:fontRef>
+        </p:style>
+      </p:cxnSp>
+      <p:pic>
+        <p:nvPicPr>
+          <p:cNvPr id="15" name="Picture 14"/>
+          <p:cNvPicPr>
+            <a:picLocks noChangeAspect="1"/>
+          </p:cNvPicPr>
+          <p:nvPr/>
+        </p:nvPicPr>
+        <p:blipFill>
+          <a:blip r:embed="rId2">
+            <a:extLst>
+              <a:ext uri="{28A0092B-C50C-407E-A947-70E740481C1C}">
+                <a14:useLocalDpi xmlns:a14="http://schemas.microsoft.com/office/drawing/2010/main" val="0"/>
+              </a:ext>
+            </a:extLst>
+          </a:blip>
+          <a:stretch>
+            <a:fillRect/>
+          </a:stretch>
+        </p:blipFill>
+        <p:spPr>
+          <a:xfrm>
+            <a:off x="3140141" y="3688460"/>
+            <a:ext cx="2863718" cy="360826"/>
+          </a:xfrm>
+          <a:prstGeom prst="rect">
+            <a:avLst/>
+          </a:prstGeom>
+          <a:noFill/>
+          <a:ln>
+            <a:noFill/>
+          </a:ln>
+        </p:spPr>
+      </p:pic>
+      <p:grpSp>
+        <p:nvGrpSpPr>
+          <p:cNvPr id="25" name="Group 24"/>
+          <p:cNvGrpSpPr/>
+          <p:nvPr/>
+        </p:nvGrpSpPr>
+        <p:grpSpPr>
+          <a:xfrm>
+            <a:off x="3799416" y="4182028"/>
+            <a:ext cx="1545168" cy="266113"/>
+            <a:chOff x="5601059" y="4182028"/>
+            <a:chExt cx="1545168" cy="266113"/>
+          </a:xfrm>
+        </p:grpSpPr>
+        <p:sp>
+          <p:nvSpPr>
+            <p:cNvPr id="16" name="TextBox 15"/>
+            <p:cNvSpPr txBox="1"/>
+            <p:nvPr/>
+          </p:nvSpPr>
+          <p:spPr>
+            <a:xfrm>
+              <a:off x="6243416" y="4182028"/>
+              <a:ext cx="902811" cy="261610"/>
+            </a:xfrm>
+            <a:prstGeom prst="rect">
+              <a:avLst/>
+            </a:prstGeom>
+            <a:noFill/>
+          </p:spPr>
+          <p:txBody>
+            <a:bodyPr wrap="none" rtlCol="0">
+              <a:spAutoFit/>
+            </a:bodyPr>
+            <a:lstStyle/>
+            <a:p>
+              <a:r>
+                <a:rPr lang="en-US" sz="1100" dirty="0" smtClean="0">
+                  <a:solidFill>
+                    <a:schemeClr val="bg1"/>
+                  </a:solidFill>
+                  <a:latin typeface="Proxima Nova Regular"/>
+                  <a:cs typeface="Proxima Nova Regular"/>
+                </a:rPr>
+                <a:t>#</a:t>
+              </a:r>
+              <a:r>
+                <a:rPr lang="en-US" sz="1100" dirty="0" err="1" smtClean="0">
+                  <a:solidFill>
+                    <a:schemeClr val="bg1"/>
+                  </a:solidFill>
+                  <a:latin typeface="Proxima Nova Regular"/>
+                  <a:cs typeface="Proxima Nova Regular"/>
+                </a:rPr>
+                <a:t>springone</a:t>
+              </a:r>
+              <a:endParaRPr lang="en-US" sz="1100" dirty="0">
+                <a:solidFill>
+                  <a:schemeClr val="bg1"/>
+                </a:solidFill>
+                <a:latin typeface="Proxima Nova Regular"/>
+                <a:cs typeface="Proxima Nova Regular"/>
+              </a:endParaRPr>
+            </a:p>
+          </p:txBody>
+        </p:sp>
+        <p:sp>
+          <p:nvSpPr>
+            <p:cNvPr id="17" name="TextBox 16"/>
+            <p:cNvSpPr txBox="1"/>
+            <p:nvPr/>
+          </p:nvSpPr>
+          <p:spPr>
+            <a:xfrm>
+              <a:off x="5728058" y="4186531"/>
+              <a:ext cx="492443" cy="261610"/>
+            </a:xfrm>
+            <a:prstGeom prst="rect">
+              <a:avLst/>
+            </a:prstGeom>
+            <a:noFill/>
+          </p:spPr>
+          <p:txBody>
+            <a:bodyPr wrap="none" rtlCol="0">
+              <a:spAutoFit/>
+            </a:bodyPr>
+            <a:lstStyle/>
+            <a:p>
+              <a:r>
+                <a:rPr lang="en-US" sz="1100" dirty="0" smtClean="0">
+                  <a:solidFill>
+                    <a:schemeClr val="bg1"/>
+                  </a:solidFill>
+                  <a:latin typeface="Proxima Nova Regular"/>
+                  <a:cs typeface="Proxima Nova Regular"/>
+                </a:rPr>
+                <a:t>@s1p</a:t>
+              </a:r>
+              <a:endParaRPr lang="en-US" sz="1100" dirty="0">
+                <a:solidFill>
+                  <a:schemeClr val="bg1"/>
+                </a:solidFill>
+                <a:latin typeface="Proxima Nova Regular"/>
+                <a:cs typeface="Proxima Nova Regular"/>
+              </a:endParaRPr>
+            </a:p>
+          </p:txBody>
+        </p:sp>
+        <p:pic>
+          <p:nvPicPr>
+            <p:cNvPr id="20" name="Picture 19"/>
+            <p:cNvPicPr>
+              <a:picLocks noChangeAspect="1"/>
+            </p:cNvPicPr>
+            <p:nvPr/>
+          </p:nvPicPr>
+          <p:blipFill>
+            <a:blip r:embed="rId3"/>
+            <a:stretch>
+              <a:fillRect/>
+            </a:stretch>
+          </p:blipFill>
+          <p:spPr>
+            <a:xfrm>
+              <a:off x="5601059" y="4276096"/>
+              <a:ext cx="150091" cy="122062"/>
+            </a:xfrm>
+            <a:prstGeom prst="rect">
+              <a:avLst/>
+            </a:prstGeom>
+          </p:spPr>
+        </p:pic>
+      </p:grpSp>
+    </p:spTree>
+    <p:extLst>
+      <p:ext uri="{BB962C8B-B14F-4D97-AF65-F5344CB8AC3E}">
+        <p14:creationId xmlns:p14="http://schemas.microsoft.com/office/powerpoint/2010/main" val="3936420763"/>
       </p:ext>
     </p:extLst>
   </p:cSld>
